--- a/Other/9_公司内AI技术分享20180628.pptx
+++ b/Other/9_公司内AI技术分享20180628.pptx
@@ -7,6 +7,9 @@
   <p:notesMasterIdLst>
     <p:notesMasterId r:id="rId27"/>
   </p:notesMasterIdLst>
+  <p:handoutMasterIdLst>
+    <p:handoutMasterId r:id="rId28"/>
+  </p:handoutMasterIdLst>
   <p:sldIdLst>
     <p:sldId id="257" r:id="rId2"/>
     <p:sldId id="285" r:id="rId3"/>
@@ -30,14 +33,14 @@
     <p:sldId id="313" r:id="rId21"/>
     <p:sldId id="314" r:id="rId22"/>
     <p:sldId id="315" r:id="rId23"/>
-    <p:sldId id="305" r:id="rId24"/>
+    <p:sldId id="316" r:id="rId24"/>
     <p:sldId id="306" r:id="rId25"/>
     <p:sldId id="284" r:id="rId26"/>
   </p:sldIdLst>
   <p:sldSz cx="12192000" cy="6858000"/>
   <p:notesSz cx="6858000" cy="9144000"/>
   <p:custDataLst>
-    <p:tags r:id="rId28"/>
+    <p:tags r:id="rId29"/>
   </p:custDataLst>
   <p:defaultTextStyle>
     <a:defPPr>
@@ -153,6 +156,171 @@
 </p:presentation>
 </file>
 
+<file path=ppt/handoutMasters/handoutMaster1.xml><?xml version="1.0" encoding="utf-8"?>
+<p:handoutMaster xmlns:a="http://schemas.openxmlformats.org/drawingml/2006/main" xmlns:r="http://schemas.openxmlformats.org/officeDocument/2006/relationships" xmlns:p="http://schemas.openxmlformats.org/presentationml/2006/main">
+  <p:cSld>
+    <p:bg>
+      <p:bgRef idx="1001">
+        <a:schemeClr val="bg1"/>
+      </p:bgRef>
+    </p:bg>
+    <p:spTree>
+      <p:nvGrpSpPr>
+        <p:cNvPr id="1" name=""/>
+        <p:cNvGrpSpPr/>
+        <p:nvPr/>
+      </p:nvGrpSpPr>
+      <p:grpSpPr>
+        <a:xfrm>
+          <a:off x="0" y="0"/>
+          <a:ext cx="0" cy="0"/>
+          <a:chOff x="0" y="0"/>
+          <a:chExt cx="0" cy="0"/>
+        </a:xfrm>
+      </p:grpSpPr>
+      <p:sp>
+        <p:nvSpPr>
+          <p:cNvPr id="2" name="页眉占位符 1"/>
+          <p:cNvSpPr>
+            <a:spLocks noGrp="1"/>
+          </p:cNvSpPr>
+          <p:nvPr>
+            <p:ph type="hdr" sz="quarter"/>
+          </p:nvPr>
+        </p:nvSpPr>
+        <p:spPr>
+          <a:xfrm>
+            <a:off x="0" y="0"/>
+            <a:ext cx="2971800" cy="458788"/>
+          </a:xfrm>
+          <a:prstGeom prst="rect">
+            <a:avLst/>
+          </a:prstGeom>
+        </p:spPr>
+        <p:txBody>
+          <a:bodyPr vert="horz" lIns="91440" tIns="45720" rIns="91440" bIns="45720" rtlCol="0"/>
+          <a:lstStyle>
+            <a:lvl1pPr algn="l">
+              <a:defRPr sz="1200"/>
+            </a:lvl1pPr>
+          </a:lstStyle>
+          <a:p>
+            <a:endParaRPr kumimoji="1" lang="zh-CN" altLang="en-US"/>
+          </a:p>
+        </p:txBody>
+      </p:sp>
+      <p:sp>
+        <p:nvSpPr>
+          <p:cNvPr id="3" name="日期占位符 2"/>
+          <p:cNvSpPr>
+            <a:spLocks noGrp="1"/>
+          </p:cNvSpPr>
+          <p:nvPr>
+            <p:ph type="dt" sz="quarter" idx="1"/>
+          </p:nvPr>
+        </p:nvSpPr>
+        <p:spPr>
+          <a:xfrm>
+            <a:off x="3884613" y="0"/>
+            <a:ext cx="2971800" cy="458788"/>
+          </a:xfrm>
+          <a:prstGeom prst="rect">
+            <a:avLst/>
+          </a:prstGeom>
+        </p:spPr>
+        <p:txBody>
+          <a:bodyPr vert="horz" lIns="91440" tIns="45720" rIns="91440" bIns="45720" rtlCol="0"/>
+          <a:lstStyle>
+            <a:lvl1pPr algn="r">
+              <a:defRPr sz="1200"/>
+            </a:lvl1pPr>
+          </a:lstStyle>
+          <a:p>
+            <a:fld id="{813DE6CF-62CC-7343-A959-1224342C8D20}" type="datetimeFigureOut">
+              <a:rPr kumimoji="1" lang="zh-CN" altLang="en-US" smtClean="0"/>
+              <a:t>2018/6/28</a:t>
+            </a:fld>
+            <a:endParaRPr kumimoji="1" lang="zh-CN" altLang="en-US"/>
+          </a:p>
+        </p:txBody>
+      </p:sp>
+      <p:sp>
+        <p:nvSpPr>
+          <p:cNvPr id="4" name="页脚占位符 3"/>
+          <p:cNvSpPr>
+            <a:spLocks noGrp="1"/>
+          </p:cNvSpPr>
+          <p:nvPr>
+            <p:ph type="ftr" sz="quarter" idx="2"/>
+          </p:nvPr>
+        </p:nvSpPr>
+        <p:spPr>
+          <a:xfrm>
+            <a:off x="0" y="8685213"/>
+            <a:ext cx="2971800" cy="458787"/>
+          </a:xfrm>
+          <a:prstGeom prst="rect">
+            <a:avLst/>
+          </a:prstGeom>
+        </p:spPr>
+        <p:txBody>
+          <a:bodyPr vert="horz" lIns="91440" tIns="45720" rIns="91440" bIns="45720" rtlCol="0" anchor="b"/>
+          <a:lstStyle>
+            <a:lvl1pPr algn="l">
+              <a:defRPr sz="1200"/>
+            </a:lvl1pPr>
+          </a:lstStyle>
+          <a:p>
+            <a:endParaRPr kumimoji="1" lang="zh-CN" altLang="en-US"/>
+          </a:p>
+        </p:txBody>
+      </p:sp>
+      <p:sp>
+        <p:nvSpPr>
+          <p:cNvPr id="5" name="幻灯片编号占位符 4"/>
+          <p:cNvSpPr>
+            <a:spLocks noGrp="1"/>
+          </p:cNvSpPr>
+          <p:nvPr>
+            <p:ph type="sldNum" sz="quarter" idx="3"/>
+          </p:nvPr>
+        </p:nvSpPr>
+        <p:spPr>
+          <a:xfrm>
+            <a:off x="3884613" y="8685213"/>
+            <a:ext cx="2971800" cy="458787"/>
+          </a:xfrm>
+          <a:prstGeom prst="rect">
+            <a:avLst/>
+          </a:prstGeom>
+        </p:spPr>
+        <p:txBody>
+          <a:bodyPr vert="horz" lIns="91440" tIns="45720" rIns="91440" bIns="45720" rtlCol="0" anchor="b"/>
+          <a:lstStyle>
+            <a:lvl1pPr algn="r">
+              <a:defRPr sz="1200"/>
+            </a:lvl1pPr>
+          </a:lstStyle>
+          <a:p>
+            <a:fld id="{80A77D09-59E5-EF4B-8B6D-05A7311DF429}" type="slidenum">
+              <a:rPr kumimoji="1" lang="zh-CN" altLang="en-US" smtClean="0"/>
+              <a:t>‹#›</a:t>
+            </a:fld>
+            <a:endParaRPr kumimoji="1" lang="zh-CN" altLang="en-US"/>
+          </a:p>
+        </p:txBody>
+      </p:sp>
+    </p:spTree>
+    <p:extLst>
+      <p:ext uri="{BB962C8B-B14F-4D97-AF65-F5344CB8AC3E}">
+        <p14:creationId xmlns:p14="http://schemas.microsoft.com/office/powerpoint/2010/main" val="249713610"/>
+      </p:ext>
+    </p:extLst>
+  </p:cSld>
+  <p:clrMap bg1="lt1" tx1="dk1" bg2="lt2" tx2="dk2" accent1="accent1" accent2="accent2" accent3="accent3" accent4="accent4" accent5="accent5" accent6="accent6" hlink="hlink" folHlink="folHlink"/>
+</p:handoutMaster>
+</file>
+
 <file path=ppt/notesMasters/notesMaster1.xml><?xml version="1.0" encoding="utf-8"?>
 <p:notesMaster xmlns:a="http://schemas.openxmlformats.org/drawingml/2006/main" xmlns:r="http://schemas.openxmlformats.org/officeDocument/2006/relationships" xmlns:p="http://schemas.openxmlformats.org/presentationml/2006/main">
   <p:cSld>
@@ -235,7 +403,7 @@
           <a:p>
             <a:fld id="{C5488D58-9FDD-4C58-9FC4-4667448151F3}" type="datetimeFigureOut">
               <a:rPr lang="zh-CN" altLang="en-US" smtClean="0"/>
-              <a:t>2018/6/27</a:t>
+              <a:t>2018/6/28</a:t>
             </a:fld>
             <a:endParaRPr lang="zh-CN" altLang="en-US"/>
           </a:p>
@@ -634,30 +802,6 @@
             <a:pPr marL="228600" indent="-228600">
               <a:buAutoNum type="arabicPeriod"/>
             </a:pPr>
-            <a:r>
-              <a:rPr lang="en-US" altLang="zh-CN" dirty="0" err="1" smtClean="0"/>
-              <a:t>helloWorld</a:t>
-            </a:r>
-            <a:endParaRPr lang="en-US" altLang="zh-CN" dirty="0" smtClean="0"/>
-          </a:p>
-          <a:p>
-            <a:pPr marL="228600" indent="-228600">
-              <a:buAutoNum type="arabicPeriod"/>
-            </a:pPr>
-            <a:r>
-              <a:rPr lang="zh-CN" altLang="en-US" dirty="0" smtClean="0"/>
-              <a:t>只讲理论不讲实践的</a:t>
-            </a:r>
-            <a:endParaRPr lang="en-US" altLang="zh-CN" dirty="0" smtClean="0"/>
-          </a:p>
-          <a:p>
-            <a:pPr marL="228600" indent="-228600">
-              <a:buAutoNum type="arabicPeriod"/>
-            </a:pPr>
-            <a:r>
-              <a:rPr lang="zh-CN" altLang="en-US" dirty="0" smtClean="0"/>
-              <a:t>只讲实践不讲理论的</a:t>
-            </a:r>
             <a:endParaRPr lang="zh-CN" altLang="en-US" dirty="0"/>
           </a:p>
         </p:txBody>
@@ -742,10 +886,6 @@
           <a:bodyPr/>
           <a:lstStyle/>
           <a:p>
-            <a:r>
-              <a:rPr lang="zh-CN" altLang="en-US" dirty="0" smtClean="0"/>
-              <a:t>我在怎么做，为什么这么做？</a:t>
-            </a:r>
             <a:endParaRPr lang="zh-CN" altLang="en-US" dirty="0"/>
           </a:p>
         </p:txBody>
@@ -1250,10 +1390,6 @@
           <a:bodyPr/>
           <a:lstStyle/>
           <a:p>
-            <a:r>
-              <a:rPr lang="zh-CN" altLang="en-US" dirty="0" smtClean="0"/>
-              <a:t>我在怎么实现，为什么要这么实现？</a:t>
-            </a:r>
             <a:endParaRPr lang="zh-CN" altLang="en-US" dirty="0"/>
           </a:p>
         </p:txBody>
@@ -1842,10 +1978,6 @@
           <a:bodyPr/>
           <a:lstStyle/>
           <a:p>
-            <a:r>
-              <a:rPr lang="zh-CN" altLang="en-US" dirty="0" smtClean="0"/>
-              <a:t>我在怎么实现，为什么要这么实现？</a:t>
-            </a:r>
             <a:endParaRPr lang="zh-CN" altLang="en-US" dirty="0"/>
           </a:p>
         </p:txBody>
@@ -1876,7 +2008,7 @@
     </p:spTree>
     <p:extLst>
       <p:ext uri="{BB962C8B-B14F-4D97-AF65-F5344CB8AC3E}">
-        <p14:creationId xmlns:p14="http://schemas.microsoft.com/office/powerpoint/2010/main" val="436415531"/>
+        <p14:creationId xmlns:p14="http://schemas.microsoft.com/office/powerpoint/2010/main" val="1509801927"/>
       </p:ext>
     </p:extLst>
   </p:cSld>
@@ -5498,370 +5630,15 @@
   <p:clrMapOvr>
     <a:masterClrMapping/>
   </p:clrMapOvr>
-  <mc:AlternateContent xmlns:mc="http://schemas.openxmlformats.org/markup-compatibility/2006" xmlns:p14="http://schemas.microsoft.com/office/powerpoint/2010/main">
-    <mc:Choice Requires="p14">
-      <p:transition spd="slow" p14:dur="2250">
-        <p:random/>
-      </p:transition>
-    </mc:Choice>
-    <mc:Fallback xmlns="">
-      <p:transition spd="slow">
-        <p:random/>
-      </p:transition>
-    </mc:Fallback>
-  </mc:AlternateContent>
+  <p:transition spd="med">
+    <p:pull dir="u"/>
+  </p:transition>
   <p:timing>
     <p:tnLst>
       <p:par>
-        <p:cTn id="1" dur="indefinite" restart="never" nodeType="tmRoot">
-          <p:childTnLst>
-            <p:seq concurrent="1" nextAc="seek">
-              <p:cTn id="2" dur="indefinite" nodeType="mainSeq">
-                <p:childTnLst>
-                  <p:par>
-                    <p:cTn id="3" fill="hold">
-                      <p:stCondLst>
-                        <p:cond delay="indefinite"/>
-                        <p:cond evt="onBegin" delay="0">
-                          <p:tn val="2"/>
-                        </p:cond>
-                      </p:stCondLst>
-                      <p:childTnLst>
-                        <p:par>
-                          <p:cTn id="4" fill="hold">
-                            <p:stCondLst>
-                              <p:cond delay="0"/>
-                            </p:stCondLst>
-                            <p:childTnLst>
-                              <p:par>
-                                <p:cTn id="5" presetID="23" presetClass="entr" presetSubtype="36" fill="hold" grpId="0" nodeType="afterEffect">
-                                  <p:stCondLst>
-                                    <p:cond delay="0"/>
-                                  </p:stCondLst>
-                                  <p:childTnLst>
-                                    <p:set>
-                                      <p:cBhvr>
-                                        <p:cTn id="6" dur="1" fill="hold">
-                                          <p:stCondLst>
-                                            <p:cond delay="0"/>
-                                          </p:stCondLst>
-                                        </p:cTn>
-                                        <p:tgtEl>
-                                          <p:spTgt spid="12"/>
-                                        </p:tgtEl>
-                                        <p:attrNameLst>
-                                          <p:attrName>style.visibility</p:attrName>
-                                        </p:attrNameLst>
-                                      </p:cBhvr>
-                                      <p:to>
-                                        <p:strVal val="visible"/>
-                                      </p:to>
-                                    </p:set>
-                                    <p:anim calcmode="lin" valueType="num">
-                                      <p:cBhvr>
-                                        <p:cTn id="7" dur="500" fill="hold"/>
-                                        <p:tgtEl>
-                                          <p:spTgt spid="12"/>
-                                        </p:tgtEl>
-                                        <p:attrNameLst>
-                                          <p:attrName>ppt_w</p:attrName>
-                                        </p:attrNameLst>
-                                      </p:cBhvr>
-                                      <p:tavLst>
-                                        <p:tav tm="0">
-                                          <p:val>
-                                            <p:strVal val="(6*min(max(#ppt_w*#ppt_h,.3),1)-7.4)/-.7*#ppt_w"/>
-                                          </p:val>
-                                        </p:tav>
-                                        <p:tav tm="100000">
-                                          <p:val>
-                                            <p:strVal val="#ppt_w"/>
-                                          </p:val>
-                                        </p:tav>
-                                      </p:tavLst>
-                                    </p:anim>
-                                    <p:anim calcmode="lin" valueType="num">
-                                      <p:cBhvr>
-                                        <p:cTn id="8" dur="500" fill="hold"/>
-                                        <p:tgtEl>
-                                          <p:spTgt spid="12"/>
-                                        </p:tgtEl>
-                                        <p:attrNameLst>
-                                          <p:attrName>ppt_h</p:attrName>
-                                        </p:attrNameLst>
-                                      </p:cBhvr>
-                                      <p:tavLst>
-                                        <p:tav tm="0">
-                                          <p:val>
-                                            <p:strVal val="(6*min(max(#ppt_w*#ppt_h,.3),1)-7.4)/-.7*#ppt_h"/>
-                                          </p:val>
-                                        </p:tav>
-                                        <p:tav tm="100000">
-                                          <p:val>
-                                            <p:strVal val="#ppt_h"/>
-                                          </p:val>
-                                        </p:tav>
-                                      </p:tavLst>
-                                    </p:anim>
-                                    <p:anim calcmode="lin" valueType="num">
-                                      <p:cBhvr>
-                                        <p:cTn id="9" dur="500" fill="hold"/>
-                                        <p:tgtEl>
-                                          <p:spTgt spid="12"/>
-                                        </p:tgtEl>
-                                        <p:attrNameLst>
-                                          <p:attrName>ppt_x</p:attrName>
-                                        </p:attrNameLst>
-                                      </p:cBhvr>
-                                      <p:tavLst>
-                                        <p:tav tm="0">
-                                          <p:val>
-                                            <p:fltVal val="0.5"/>
-                                          </p:val>
-                                        </p:tav>
-                                        <p:tav tm="100000">
-                                          <p:val>
-                                            <p:strVal val="#ppt_x"/>
-                                          </p:val>
-                                        </p:tav>
-                                      </p:tavLst>
-                                    </p:anim>
-                                    <p:anim calcmode="lin" valueType="num">
-                                      <p:cBhvr>
-                                        <p:cTn id="10" dur="500" fill="hold"/>
-                                        <p:tgtEl>
-                                          <p:spTgt spid="12"/>
-                                        </p:tgtEl>
-                                        <p:attrNameLst>
-                                          <p:attrName>ppt_y</p:attrName>
-                                        </p:attrNameLst>
-                                      </p:cBhvr>
-                                      <p:tavLst>
-                                        <p:tav tm="0">
-                                          <p:val>
-                                            <p:strVal val="1+(6*min(max(#ppt_w*#ppt_h,.3),1)-7.4)/-.7*#ppt_h/2"/>
-                                          </p:val>
-                                        </p:tav>
-                                        <p:tav tm="100000">
-                                          <p:val>
-                                            <p:strVal val="#ppt_y"/>
-                                          </p:val>
-                                        </p:tav>
-                                      </p:tavLst>
-                                    </p:anim>
-                                  </p:childTnLst>
-                                </p:cTn>
-                              </p:par>
-                            </p:childTnLst>
-                          </p:cTn>
-                        </p:par>
-                        <p:par>
-                          <p:cTn id="11" fill="hold">
-                            <p:stCondLst>
-                              <p:cond delay="500"/>
-                            </p:stCondLst>
-                            <p:childTnLst>
-                              <p:par>
-                                <p:cTn id="12" presetID="16" presetClass="entr" presetSubtype="21" fill="hold" nodeType="afterEffect">
-                                  <p:stCondLst>
-                                    <p:cond delay="0"/>
-                                  </p:stCondLst>
-                                  <p:childTnLst>
-                                    <p:set>
-                                      <p:cBhvr>
-                                        <p:cTn id="13" dur="1" fill="hold">
-                                          <p:stCondLst>
-                                            <p:cond delay="0"/>
-                                          </p:stCondLst>
-                                        </p:cTn>
-                                        <p:tgtEl>
-                                          <p:spTgt spid="3"/>
-                                        </p:tgtEl>
-                                        <p:attrNameLst>
-                                          <p:attrName>style.visibility</p:attrName>
-                                        </p:attrNameLst>
-                                      </p:cBhvr>
-                                      <p:to>
-                                        <p:strVal val="visible"/>
-                                      </p:to>
-                                    </p:set>
-                                    <p:animEffect transition="in" filter="barn(inVertical)">
-                                      <p:cBhvr>
-                                        <p:cTn id="14" dur="500"/>
-                                        <p:tgtEl>
-                                          <p:spTgt spid="3"/>
-                                        </p:tgtEl>
-                                      </p:cBhvr>
-                                    </p:animEffect>
-                                  </p:childTnLst>
-                                </p:cTn>
-                              </p:par>
-                            </p:childTnLst>
-                          </p:cTn>
-                        </p:par>
-                        <p:par>
-                          <p:cTn id="15" fill="hold">
-                            <p:stCondLst>
-                              <p:cond delay="1000"/>
-                            </p:stCondLst>
-                            <p:childTnLst>
-                              <p:par>
-                                <p:cTn id="16" presetID="53" presetClass="entr" presetSubtype="16" fill="hold" grpId="0" nodeType="afterEffect">
-                                  <p:stCondLst>
-                                    <p:cond delay="0"/>
-                                  </p:stCondLst>
-                                  <p:childTnLst>
-                                    <p:set>
-                                      <p:cBhvr>
-                                        <p:cTn id="17" dur="1" fill="hold">
-                                          <p:stCondLst>
-                                            <p:cond delay="0"/>
-                                          </p:stCondLst>
-                                        </p:cTn>
-                                        <p:tgtEl>
-                                          <p:spTgt spid="5"/>
-                                        </p:tgtEl>
-                                        <p:attrNameLst>
-                                          <p:attrName>style.visibility</p:attrName>
-                                        </p:attrNameLst>
-                                      </p:cBhvr>
-                                      <p:to>
-                                        <p:strVal val="visible"/>
-                                      </p:to>
-                                    </p:set>
-                                    <p:anim calcmode="lin" valueType="num">
-                                      <p:cBhvr>
-                                        <p:cTn id="18" dur="500" fill="hold"/>
-                                        <p:tgtEl>
-                                          <p:spTgt spid="5"/>
-                                        </p:tgtEl>
-                                        <p:attrNameLst>
-                                          <p:attrName>ppt_w</p:attrName>
-                                        </p:attrNameLst>
-                                      </p:cBhvr>
-                                      <p:tavLst>
-                                        <p:tav tm="0">
-                                          <p:val>
-                                            <p:fltVal val="0"/>
-                                          </p:val>
-                                        </p:tav>
-                                        <p:tav tm="100000">
-                                          <p:val>
-                                            <p:strVal val="#ppt_w"/>
-                                          </p:val>
-                                        </p:tav>
-                                      </p:tavLst>
-                                    </p:anim>
-                                    <p:anim calcmode="lin" valueType="num">
-                                      <p:cBhvr>
-                                        <p:cTn id="19" dur="500" fill="hold"/>
-                                        <p:tgtEl>
-                                          <p:spTgt spid="5"/>
-                                        </p:tgtEl>
-                                        <p:attrNameLst>
-                                          <p:attrName>ppt_h</p:attrName>
-                                        </p:attrNameLst>
-                                      </p:cBhvr>
-                                      <p:tavLst>
-                                        <p:tav tm="0">
-                                          <p:val>
-                                            <p:fltVal val="0"/>
-                                          </p:val>
-                                        </p:tav>
-                                        <p:tav tm="100000">
-                                          <p:val>
-                                            <p:strVal val="#ppt_h"/>
-                                          </p:val>
-                                        </p:tav>
-                                      </p:tavLst>
-                                    </p:anim>
-                                    <p:animEffect transition="in" filter="fade">
-                                      <p:cBhvr>
-                                        <p:cTn id="20" dur="500"/>
-                                        <p:tgtEl>
-                                          <p:spTgt spid="5"/>
-                                        </p:tgtEl>
-                                      </p:cBhvr>
-                                    </p:animEffect>
-                                  </p:childTnLst>
-                                </p:cTn>
-                              </p:par>
-                            </p:childTnLst>
-                          </p:cTn>
-                        </p:par>
-                        <p:par>
-                          <p:cTn id="21" fill="hold">
-                            <p:stCondLst>
-                              <p:cond delay="1500"/>
-                            </p:stCondLst>
-                            <p:childTnLst>
-                              <p:par>
-                                <p:cTn id="22" presetID="10" presetClass="entr" presetSubtype="0" fill="hold" grpId="0" nodeType="afterEffect">
-                                  <p:stCondLst>
-                                    <p:cond delay="0"/>
-                                  </p:stCondLst>
-                                  <p:childTnLst>
-                                    <p:set>
-                                      <p:cBhvr>
-                                        <p:cTn id="23" dur="1" fill="hold">
-                                          <p:stCondLst>
-                                            <p:cond delay="0"/>
-                                          </p:stCondLst>
-                                        </p:cTn>
-                                        <p:tgtEl>
-                                          <p:spTgt spid="6"/>
-                                        </p:tgtEl>
-                                        <p:attrNameLst>
-                                          <p:attrName>style.visibility</p:attrName>
-                                        </p:attrNameLst>
-                                      </p:cBhvr>
-                                      <p:to>
-                                        <p:strVal val="visible"/>
-                                      </p:to>
-                                    </p:set>
-                                    <p:animEffect transition="in" filter="fade">
-                                      <p:cBhvr>
-                                        <p:cTn id="24" dur="500"/>
-                                        <p:tgtEl>
-                                          <p:spTgt spid="6"/>
-                                        </p:tgtEl>
-                                      </p:cBhvr>
-                                    </p:animEffect>
-                                  </p:childTnLst>
-                                </p:cTn>
-                              </p:par>
-                            </p:childTnLst>
-                          </p:cTn>
-                        </p:par>
-                      </p:childTnLst>
-                    </p:cTn>
-                  </p:par>
-                </p:childTnLst>
-              </p:cTn>
-              <p:prevCondLst>
-                <p:cond evt="onPrev" delay="0">
-                  <p:tgtEl>
-                    <p:sldTgt/>
-                  </p:tgtEl>
-                </p:cond>
-              </p:prevCondLst>
-              <p:nextCondLst>
-                <p:cond evt="onNext" delay="0">
-                  <p:tgtEl>
-                    <p:sldTgt/>
-                  </p:tgtEl>
-                </p:cond>
-              </p:nextCondLst>
-            </p:seq>
-          </p:childTnLst>
-        </p:cTn>
+        <p:cTn id="1" dur="indefinite" restart="never" nodeType="tmRoot"/>
       </p:par>
     </p:tnLst>
-    <p:bldLst>
-      <p:bldP spid="5" grpId="0"/>
-      <p:bldP spid="6" grpId="0"/>
-      <p:bldP spid="12" grpId="0"/>
-    </p:bldLst>
   </p:timing>
 </p:sld>
 </file>
@@ -5983,7 +5760,7 @@
               <a:buAutoNum type="arabicPeriod"/>
             </a:pPr>
             <a:r>
-              <a:rPr lang="en-US" altLang="zh-CN" sz="1600" dirty="0" err="1" smtClean="0">
+              <a:rPr lang="en-US" altLang="zh-CN" sz="1600" dirty="0" smtClean="0">
                 <a:solidFill>
                   <a:schemeClr val="bg1"/>
                 </a:solidFill>
@@ -5991,12 +5768,6 @@
               </a:rPr>
               <a:t>DeepLearning</a:t>
             </a:r>
-            <a:endParaRPr lang="en-US" altLang="zh-CN" sz="1600" dirty="0" smtClean="0">
-              <a:solidFill>
-                <a:schemeClr val="bg1"/>
-              </a:solidFill>
-              <a:latin typeface="arial" charset="0"/>
-            </a:endParaRPr>
           </a:p>
           <a:p>
             <a:pPr marL="342900" indent="-342900">
@@ -6006,7 +5777,7 @@
               <a:buAutoNum type="arabicPeriod"/>
             </a:pPr>
             <a:r>
-              <a:rPr lang="en-US" altLang="zh-CN" sz="1600" dirty="0" err="1" smtClean="0">
+              <a:rPr lang="en-US" altLang="zh-CN" sz="1600" dirty="0" smtClean="0">
                 <a:solidFill>
                   <a:schemeClr val="bg1"/>
                 </a:solidFill>
@@ -6014,12 +5785,6 @@
               </a:rPr>
               <a:t>AlphaGo</a:t>
             </a:r>
-            <a:endParaRPr lang="en-US" altLang="zh-CN" sz="1600" dirty="0" smtClean="0">
-              <a:solidFill>
-                <a:schemeClr val="bg1"/>
-              </a:solidFill>
-              <a:latin typeface="arial" charset="0"/>
-            </a:endParaRPr>
           </a:p>
         </p:txBody>
       </p:sp>
@@ -6123,18 +5888,9 @@
   <p:clrMapOvr>
     <a:masterClrMapping/>
   </p:clrMapOvr>
-  <mc:AlternateContent xmlns:mc="http://schemas.openxmlformats.org/markup-compatibility/2006" xmlns:p14="http://schemas.microsoft.com/office/powerpoint/2010/main">
-    <mc:Choice Requires="p14">
-      <p:transition spd="slow" p14:dur="2250">
-        <p:random/>
-      </p:transition>
-    </mc:Choice>
-    <mc:Fallback xmlns="">
-      <p:transition spd="slow">
-        <p:random/>
-      </p:transition>
-    </mc:Fallback>
-  </mc:AlternateContent>
+  <p:transition spd="med">
+    <p:pull dir="u"/>
+  </p:transition>
   <p:timing>
     <p:tnLst>
       <p:par>
@@ -6242,11 +5998,6 @@
               </a:rPr>
               <a:t>AI</a:t>
             </a:r>
-            <a:endParaRPr kumimoji="1" lang="en-US" altLang="zh-CN" sz="2000" dirty="0" smtClean="0">
-              <a:solidFill>
-                <a:schemeClr val="bg1"/>
-              </a:solidFill>
-            </a:endParaRPr>
           </a:p>
         </p:txBody>
       </p:sp>
@@ -6420,11 +6171,7 @@
             </a:r>
             <a:r>
               <a:rPr kumimoji="1" lang="zh-CN" altLang="en-US" sz="2000" dirty="0" smtClean="0"/>
-              <a:t>、</a:t>
-            </a:r>
-            <a:r>
-              <a:rPr kumimoji="1" lang="zh-CN" altLang="en-US" sz="2000" dirty="0" smtClean="0"/>
-              <a:t>妥协落地</a:t>
+              <a:t>、妥协落地</a:t>
             </a:r>
             <a:endParaRPr kumimoji="1" lang="en-US" altLang="zh-CN" sz="2000" dirty="0" smtClean="0"/>
           </a:p>
@@ -6570,18 +6317,9 @@
   <p:clrMapOvr>
     <a:masterClrMapping/>
   </p:clrMapOvr>
-  <mc:AlternateContent xmlns:mc="http://schemas.openxmlformats.org/markup-compatibility/2006" xmlns:p14="http://schemas.microsoft.com/office/powerpoint/2010/main">
-    <mc:Choice Requires="p14">
-      <p:transition spd="slow" p14:dur="2250">
-        <p:random/>
-      </p:transition>
-    </mc:Choice>
-    <mc:Fallback xmlns="">
-      <p:transition spd="slow">
-        <p:random/>
-      </p:transition>
-    </mc:Fallback>
-  </mc:AlternateContent>
+  <p:transition spd="med">
+    <p:pull dir="u"/>
+  </p:transition>
   <p:timing>
     <p:tnLst>
       <p:par>
@@ -6707,7 +6445,7 @@
         </p:nvSpPr>
         <p:spPr>
           <a:xfrm>
-            <a:off x="1034086" y="1559708"/>
+            <a:off x="1812595" y="1633999"/>
             <a:ext cx="1856580" cy="586720"/>
           </a:xfrm>
           <a:prstGeom prst="rect">
@@ -6761,15 +6499,7 @@
                   <a:schemeClr val="bg1"/>
                 </a:solidFill>
               </a:rPr>
-              <a:t>、</a:t>
-            </a:r>
-            <a:r>
-              <a:rPr kumimoji="1" lang="zh-CN" altLang="en-US" sz="1600" dirty="0" smtClean="0">
-                <a:solidFill>
-                  <a:schemeClr val="bg1"/>
-                </a:solidFill>
-              </a:rPr>
-              <a:t>信息</a:t>
+              <a:t>、信息</a:t>
             </a:r>
             <a:endParaRPr kumimoji="1" lang="en-US" altLang="zh-CN" sz="1600" dirty="0" smtClean="0">
               <a:solidFill>
@@ -6787,7 +6517,7 @@
         </p:nvSpPr>
         <p:spPr>
           <a:xfrm>
-            <a:off x="1034086" y="2381133"/>
+            <a:off x="1812595" y="2455424"/>
             <a:ext cx="1856580" cy="586720"/>
           </a:xfrm>
           <a:prstGeom prst="rect">
@@ -6829,11 +6559,7 @@
             </a:r>
             <a:r>
               <a:rPr kumimoji="1" lang="zh-CN" altLang="en-US" sz="1600" dirty="0" smtClean="0"/>
-              <a:t>、</a:t>
-            </a:r>
-            <a:r>
-              <a:rPr kumimoji="1" lang="zh-CN" altLang="en-US" sz="1600" dirty="0" smtClean="0"/>
-              <a:t>网络</a:t>
+              <a:t>、网络</a:t>
             </a:r>
             <a:endParaRPr kumimoji="1" lang="en-US" altLang="zh-CN" sz="1600" dirty="0" smtClean="0"/>
           </a:p>
@@ -6847,7 +6573,7 @@
         </p:nvSpPr>
         <p:spPr>
           <a:xfrm>
-            <a:off x="1034086" y="3202558"/>
+            <a:off x="1812595" y="3276849"/>
             <a:ext cx="1856580" cy="586720"/>
           </a:xfrm>
           <a:prstGeom prst="rect">
@@ -6889,15 +6615,7 @@
             </a:r>
             <a:r>
               <a:rPr kumimoji="1" lang="zh-CN" altLang="en-US" sz="1600" dirty="0" smtClean="0"/>
-              <a:t>、</a:t>
-            </a:r>
-            <a:r>
-              <a:rPr kumimoji="1" lang="zh-CN" altLang="en-US" sz="1600" dirty="0" smtClean="0"/>
-              <a:t>思维</a:t>
-            </a:r>
-            <a:r>
-              <a:rPr kumimoji="1" lang="zh-CN" altLang="en-US" sz="1600" dirty="0" smtClean="0"/>
-              <a:t>  </a:t>
+              <a:t>、思维  </a:t>
             </a:r>
             <a:endParaRPr kumimoji="1" lang="en-US" altLang="zh-CN" sz="1600" dirty="0" smtClean="0"/>
           </a:p>
@@ -6911,7 +6629,7 @@
         </p:nvSpPr>
         <p:spPr>
           <a:xfrm>
-            <a:off x="1034086" y="4023983"/>
+            <a:off x="1812595" y="4098274"/>
             <a:ext cx="1856580" cy="586720"/>
           </a:xfrm>
           <a:prstGeom prst="rect">
@@ -6961,7 +6679,7 @@
       </p:sp>
       <p:pic>
         <p:nvPicPr>
-          <p:cNvPr id="18" name="图片 17"/>
+          <p:cNvPr id="9" name="图片 8"/>
           <p:cNvPicPr>
             <a:picLocks noChangeAspect="1"/>
           </p:cNvPicPr>
@@ -6981,8 +6699,8 @@
         </p:blipFill>
         <p:spPr>
           <a:xfrm>
-            <a:off x="3130730" y="984449"/>
-            <a:ext cx="8860642" cy="4617698"/>
+            <a:off x="4360547" y="442080"/>
+            <a:ext cx="5883049" cy="5883049"/>
           </a:xfrm>
           <a:prstGeom prst="rect">
             <a:avLst/>
@@ -6999,18 +6717,9 @@
   <p:clrMapOvr>
     <a:masterClrMapping/>
   </p:clrMapOvr>
-  <mc:AlternateContent xmlns:mc="http://schemas.openxmlformats.org/markup-compatibility/2006" xmlns:p14="http://schemas.microsoft.com/office/powerpoint/2010/main">
-    <mc:Choice Requires="p14">
-      <p:transition spd="slow" p14:dur="2250">
-        <p:random/>
-      </p:transition>
-    </mc:Choice>
-    <mc:Fallback xmlns="">
-      <p:transition spd="slow">
-        <p:random/>
-      </p:transition>
-    </mc:Fallback>
-  </mc:AlternateContent>
+  <p:transition spd="med">
+    <p:pull dir="u"/>
+  </p:transition>
   <p:timing>
     <p:tnLst>
       <p:par>
@@ -7192,15 +6901,7 @@
                   <a:schemeClr val="bg1"/>
                 </a:solidFill>
               </a:rPr>
-              <a:t>、</a:t>
-            </a:r>
-            <a:r>
-              <a:rPr kumimoji="1" lang="zh-CN" altLang="en-US" sz="1600" dirty="0" smtClean="0">
-                <a:solidFill>
-                  <a:schemeClr val="bg1"/>
-                </a:solidFill>
-              </a:rPr>
-              <a:t>信息</a:t>
+              <a:t>、信息</a:t>
             </a:r>
             <a:endParaRPr kumimoji="1" lang="en-US" altLang="zh-CN" sz="1600" dirty="0" smtClean="0">
               <a:solidFill>
@@ -7260,11 +6961,7 @@
             </a:r>
             <a:r>
               <a:rPr kumimoji="1" lang="zh-CN" altLang="en-US" sz="1600" dirty="0" smtClean="0"/>
-              <a:t>、</a:t>
-            </a:r>
-            <a:r>
-              <a:rPr kumimoji="1" lang="zh-CN" altLang="en-US" sz="1600" dirty="0" smtClean="0"/>
-              <a:t>网络</a:t>
+              <a:t>、网络</a:t>
             </a:r>
             <a:endParaRPr kumimoji="1" lang="en-US" altLang="zh-CN" sz="1600" dirty="0" smtClean="0"/>
           </a:p>
@@ -7320,15 +7017,7 @@
             </a:r>
             <a:r>
               <a:rPr kumimoji="1" lang="zh-CN" altLang="en-US" sz="1600" dirty="0" smtClean="0"/>
-              <a:t>、</a:t>
-            </a:r>
-            <a:r>
-              <a:rPr kumimoji="1" lang="zh-CN" altLang="en-US" sz="1600" dirty="0" smtClean="0"/>
-              <a:t>思维</a:t>
-            </a:r>
-            <a:r>
-              <a:rPr kumimoji="1" lang="zh-CN" altLang="en-US" sz="1600" dirty="0" smtClean="0"/>
-              <a:t>  </a:t>
+              <a:t>、思维  </a:t>
             </a:r>
             <a:endParaRPr kumimoji="1" lang="en-US" altLang="zh-CN" sz="1600" dirty="0" smtClean="0"/>
           </a:p>
@@ -7681,14 +7370,10 @@
   </p:clrMapOvr>
   <mc:AlternateContent xmlns:mc="http://schemas.openxmlformats.org/markup-compatibility/2006" xmlns:p14="http://schemas.microsoft.com/office/powerpoint/2010/main">
     <mc:Choice Requires="p14">
-      <p:transition spd="slow" p14:dur="2250">
-        <p:random/>
-      </p:transition>
+      <p:transition p14:dur="0"/>
     </mc:Choice>
     <mc:Fallback xmlns="">
-      <p:transition spd="slow">
-        <p:random/>
-      </p:transition>
+      <p:transition/>
     </mc:Fallback>
   </mc:AlternateContent>
   <p:timing>
@@ -7870,15 +7555,7 @@
                   <a:schemeClr val="bg1"/>
                 </a:solidFill>
               </a:rPr>
-              <a:t>、</a:t>
-            </a:r>
-            <a:r>
-              <a:rPr kumimoji="1" lang="zh-CN" altLang="en-US" sz="1600" dirty="0" smtClean="0">
-                <a:solidFill>
-                  <a:schemeClr val="bg1"/>
-                </a:solidFill>
-              </a:rPr>
-              <a:t>信息</a:t>
+              <a:t>、信息</a:t>
             </a:r>
             <a:endParaRPr kumimoji="1" lang="en-US" altLang="zh-CN" sz="1600" dirty="0" smtClean="0">
               <a:solidFill>
@@ -7940,11 +7617,7 @@
             </a:r>
             <a:r>
               <a:rPr kumimoji="1" lang="zh-CN" altLang="en-US" sz="1600" dirty="0" smtClean="0"/>
-              <a:t>、</a:t>
-            </a:r>
-            <a:r>
-              <a:rPr kumimoji="1" lang="zh-CN" altLang="en-US" sz="1600" dirty="0" smtClean="0"/>
-              <a:t>网络</a:t>
+              <a:t>、网络</a:t>
             </a:r>
             <a:endParaRPr kumimoji="1" lang="en-US" altLang="zh-CN" sz="1600" dirty="0" smtClean="0"/>
           </a:p>
@@ -8000,15 +7673,7 @@
             </a:r>
             <a:r>
               <a:rPr kumimoji="1" lang="zh-CN" altLang="en-US" sz="1600" dirty="0" smtClean="0"/>
-              <a:t>、</a:t>
-            </a:r>
-            <a:r>
-              <a:rPr kumimoji="1" lang="zh-CN" altLang="en-US" sz="1600" dirty="0" smtClean="0"/>
-              <a:t>思维</a:t>
-            </a:r>
-            <a:r>
-              <a:rPr kumimoji="1" lang="zh-CN" altLang="en-US" sz="1600" dirty="0" smtClean="0"/>
-              <a:t>  </a:t>
+              <a:t>、思维  </a:t>
             </a:r>
             <a:endParaRPr kumimoji="1" lang="en-US" altLang="zh-CN" sz="1600" dirty="0" smtClean="0"/>
           </a:p>
@@ -8328,14 +7993,10 @@
   </p:clrMapOvr>
   <mc:AlternateContent xmlns:mc="http://schemas.openxmlformats.org/markup-compatibility/2006" xmlns:p14="http://schemas.microsoft.com/office/powerpoint/2010/main">
     <mc:Choice Requires="p14">
-      <p:transition spd="slow" p14:dur="2250">
-        <p:random/>
-      </p:transition>
+      <p:transition p14:dur="0"/>
     </mc:Choice>
     <mc:Fallback xmlns="">
-      <p:transition spd="slow">
-        <p:random/>
-      </p:transition>
+      <p:transition/>
     </mc:Fallback>
   </mc:AlternateContent>
   <p:timing>
@@ -8517,15 +8178,7 @@
                   <a:schemeClr val="bg1"/>
                 </a:solidFill>
               </a:rPr>
-              <a:t>、</a:t>
-            </a:r>
-            <a:r>
-              <a:rPr kumimoji="1" lang="zh-CN" altLang="en-US" sz="1600" dirty="0" smtClean="0">
-                <a:solidFill>
-                  <a:schemeClr val="bg1"/>
-                </a:solidFill>
-              </a:rPr>
-              <a:t>信息</a:t>
+              <a:t>、信息</a:t>
             </a:r>
             <a:endParaRPr kumimoji="1" lang="en-US" altLang="zh-CN" sz="1600" dirty="0" smtClean="0">
               <a:solidFill>
@@ -8585,11 +8238,7 @@
             </a:r>
             <a:r>
               <a:rPr kumimoji="1" lang="zh-CN" altLang="en-US" sz="1600" dirty="0" smtClean="0"/>
-              <a:t>、</a:t>
-            </a:r>
-            <a:r>
-              <a:rPr kumimoji="1" lang="zh-CN" altLang="en-US" sz="1600" dirty="0" smtClean="0"/>
-              <a:t>网络</a:t>
+              <a:t>、网络</a:t>
             </a:r>
             <a:endParaRPr kumimoji="1" lang="en-US" altLang="zh-CN" sz="1600" dirty="0" smtClean="0"/>
           </a:p>
@@ -8647,15 +8296,7 @@
             </a:r>
             <a:r>
               <a:rPr kumimoji="1" lang="zh-CN" altLang="en-US" sz="1600" dirty="0" smtClean="0"/>
-              <a:t>、</a:t>
-            </a:r>
-            <a:r>
-              <a:rPr kumimoji="1" lang="zh-CN" altLang="en-US" sz="1600" dirty="0" smtClean="0"/>
-              <a:t>思维</a:t>
-            </a:r>
-            <a:r>
-              <a:rPr kumimoji="1" lang="zh-CN" altLang="en-US" sz="1600" dirty="0" smtClean="0"/>
-              <a:t>  </a:t>
+              <a:t>、思维  </a:t>
             </a:r>
             <a:endParaRPr kumimoji="1" lang="en-US" altLang="zh-CN" sz="1600" dirty="0" smtClean="0"/>
           </a:p>
@@ -8937,14 +8578,10 @@
   </p:clrMapOvr>
   <mc:AlternateContent xmlns:mc="http://schemas.openxmlformats.org/markup-compatibility/2006" xmlns:p14="http://schemas.microsoft.com/office/powerpoint/2010/main">
     <mc:Choice Requires="p14">
-      <p:transition spd="slow" p14:dur="2250">
-        <p:random/>
-      </p:transition>
+      <p:transition p14:dur="0"/>
     </mc:Choice>
     <mc:Fallback xmlns="">
-      <p:transition spd="slow">
-        <p:random/>
-      </p:transition>
+      <p:transition/>
     </mc:Fallback>
   </mc:AlternateContent>
   <p:timing>
@@ -9126,15 +8763,7 @@
                   <a:schemeClr val="bg1"/>
                 </a:solidFill>
               </a:rPr>
-              <a:t>、</a:t>
-            </a:r>
-            <a:r>
-              <a:rPr kumimoji="1" lang="zh-CN" altLang="en-US" sz="1600" dirty="0" smtClean="0">
-                <a:solidFill>
-                  <a:schemeClr val="bg1"/>
-                </a:solidFill>
-              </a:rPr>
-              <a:t>信息</a:t>
+              <a:t>、信息</a:t>
             </a:r>
             <a:endParaRPr kumimoji="1" lang="en-US" altLang="zh-CN" sz="1600" dirty="0" smtClean="0">
               <a:solidFill>
@@ -9194,11 +8823,7 @@
             </a:r>
             <a:r>
               <a:rPr kumimoji="1" lang="zh-CN" altLang="en-US" sz="1600" dirty="0" smtClean="0"/>
-              <a:t>、</a:t>
-            </a:r>
-            <a:r>
-              <a:rPr kumimoji="1" lang="zh-CN" altLang="en-US" sz="1600" dirty="0" smtClean="0"/>
-              <a:t>网络</a:t>
+              <a:t>、网络</a:t>
             </a:r>
             <a:endParaRPr kumimoji="1" lang="en-US" altLang="zh-CN" sz="1600" dirty="0" smtClean="0"/>
           </a:p>
@@ -9254,15 +8879,7 @@
             </a:r>
             <a:r>
               <a:rPr kumimoji="1" lang="zh-CN" altLang="en-US" sz="1600" dirty="0" smtClean="0"/>
-              <a:t>、</a:t>
-            </a:r>
-            <a:r>
-              <a:rPr kumimoji="1" lang="zh-CN" altLang="en-US" sz="1600" dirty="0" smtClean="0"/>
-              <a:t>思维</a:t>
-            </a:r>
-            <a:r>
-              <a:rPr kumimoji="1" lang="zh-CN" altLang="en-US" sz="1600" dirty="0" smtClean="0"/>
-              <a:t>  </a:t>
+              <a:t>、思维  </a:t>
             </a:r>
             <a:endParaRPr kumimoji="1" lang="en-US" altLang="zh-CN" sz="1600" dirty="0" smtClean="0"/>
           </a:p>
@@ -9657,14 +9274,10 @@
   </p:clrMapOvr>
   <mc:AlternateContent xmlns:mc="http://schemas.openxmlformats.org/markup-compatibility/2006" xmlns:p14="http://schemas.microsoft.com/office/powerpoint/2010/main">
     <mc:Choice Requires="p14">
-      <p:transition spd="slow" p14:dur="2250">
-        <p:random/>
-      </p:transition>
+      <p:transition p14:dur="0"/>
     </mc:Choice>
     <mc:Fallback xmlns="">
-      <p:transition spd="slow">
-        <p:random/>
-      </p:transition>
+      <p:transition/>
     </mc:Fallback>
   </mc:AlternateContent>
   <p:timing>
@@ -9774,11 +9387,6 @@
               </a:rPr>
               <a:t>AI</a:t>
             </a:r>
-            <a:endParaRPr kumimoji="1" lang="en-US" altLang="zh-CN" sz="2000" dirty="0" smtClean="0">
-              <a:solidFill>
-                <a:schemeClr val="bg1"/>
-              </a:solidFill>
-            </a:endParaRPr>
           </a:p>
         </p:txBody>
       </p:sp>
@@ -9952,11 +9560,7 @@
             </a:r>
             <a:r>
               <a:rPr kumimoji="1" lang="zh-CN" altLang="en-US" sz="2000" dirty="0" smtClean="0"/>
-              <a:t>、</a:t>
-            </a:r>
-            <a:r>
-              <a:rPr kumimoji="1" lang="zh-CN" altLang="en-US" sz="2000" dirty="0" smtClean="0"/>
-              <a:t>妥协落地</a:t>
+              <a:t>、妥协落地</a:t>
             </a:r>
             <a:endParaRPr kumimoji="1" lang="en-US" altLang="zh-CN" sz="2000" dirty="0" smtClean="0"/>
           </a:p>
@@ -10102,18 +9706,9 @@
   <p:clrMapOvr>
     <a:masterClrMapping/>
   </p:clrMapOvr>
-  <mc:AlternateContent xmlns:mc="http://schemas.openxmlformats.org/markup-compatibility/2006" xmlns:p14="http://schemas.microsoft.com/office/powerpoint/2010/main">
-    <mc:Choice Requires="p14">
-      <p:transition spd="slow" p14:dur="2250">
-        <p:random/>
-      </p:transition>
-    </mc:Choice>
-    <mc:Fallback xmlns="">
-      <p:transition spd="slow">
-        <p:random/>
-      </p:transition>
-    </mc:Fallback>
-  </mc:AlternateContent>
+  <p:transition spd="med">
+    <p:pull dir="u"/>
+  </p:transition>
   <p:timing>
     <p:tnLst>
       <p:par>
@@ -10365,11 +9960,7 @@
             </a:r>
             <a:r>
               <a:rPr kumimoji="1" lang="zh-CN" altLang="en-US" sz="1600" dirty="0" smtClean="0"/>
-              <a:t>、</a:t>
-            </a:r>
-            <a:r>
-              <a:rPr kumimoji="1" lang="zh-CN" altLang="en-US" sz="1600" dirty="0" smtClean="0"/>
-              <a:t>网络</a:t>
+              <a:t>、网络</a:t>
             </a:r>
             <a:endParaRPr kumimoji="1" lang="en-US" altLang="zh-CN" sz="1600" dirty="0" smtClean="0"/>
           </a:p>
@@ -10481,11 +10072,7 @@
             </a:r>
             <a:r>
               <a:rPr kumimoji="1" lang="en-US" altLang="zh-CN" sz="1600" dirty="0" smtClean="0"/>
-              <a:t>6</a:t>
-            </a:r>
-            <a:r>
-              <a:rPr kumimoji="1" lang="en-US" altLang="zh-CN" sz="1600" dirty="0" smtClean="0"/>
-              <a:t>.4</a:t>
+              <a:t>6.4</a:t>
             </a:r>
             <a:r>
               <a:rPr kumimoji="1" lang="zh-CN" altLang="en-US" sz="1600" dirty="0" smtClean="0"/>
@@ -10497,7 +10084,7 @@
       </p:sp>
       <p:pic>
         <p:nvPicPr>
-          <p:cNvPr id="2" name="图片 1"/>
+          <p:cNvPr id="10" name="图片 9"/>
           <p:cNvPicPr>
             <a:picLocks noChangeAspect="1"/>
           </p:cNvPicPr>
@@ -10517,8 +10104,8 @@
         </p:blipFill>
         <p:spPr>
           <a:xfrm>
-            <a:off x="4786293" y="648182"/>
-            <a:ext cx="2763598" cy="5984111"/>
+            <a:off x="3645870" y="1442278"/>
+            <a:ext cx="6319079" cy="3293170"/>
           </a:xfrm>
           <a:prstGeom prst="rect">
             <a:avLst/>
@@ -10535,18 +10122,9 @@
   <p:clrMapOvr>
     <a:masterClrMapping/>
   </p:clrMapOvr>
-  <mc:AlternateContent xmlns:mc="http://schemas.openxmlformats.org/markup-compatibility/2006" xmlns:p14="http://schemas.microsoft.com/office/powerpoint/2010/main">
-    <mc:Choice Requires="p14">
-      <p:transition spd="slow" p14:dur="2250">
-        <p:random/>
-      </p:transition>
-    </mc:Choice>
-    <mc:Fallback xmlns="">
-      <p:transition spd="slow">
-        <p:random/>
-      </p:transition>
-    </mc:Fallback>
-  </mc:AlternateContent>
+  <p:transition spd="med">
+    <p:pull dir="u"/>
+  </p:transition>
   <p:timing>
     <p:tnLst>
       <p:par>
@@ -10800,11 +10378,7 @@
             </a:r>
             <a:r>
               <a:rPr kumimoji="1" lang="zh-CN" altLang="en-US" sz="1600" dirty="0" smtClean="0"/>
-              <a:t>、</a:t>
-            </a:r>
-            <a:r>
-              <a:rPr kumimoji="1" lang="zh-CN" altLang="en-US" sz="1600" dirty="0" smtClean="0"/>
-              <a:t>网络</a:t>
+              <a:t>、网络</a:t>
             </a:r>
             <a:endParaRPr kumimoji="1" lang="en-US" altLang="zh-CN" sz="1600" dirty="0" smtClean="0"/>
           </a:p>
@@ -10916,11 +10490,7 @@
             </a:r>
             <a:r>
               <a:rPr kumimoji="1" lang="en-US" altLang="zh-CN" sz="1600" dirty="0" smtClean="0"/>
-              <a:t>6</a:t>
-            </a:r>
-            <a:r>
-              <a:rPr kumimoji="1" lang="en-US" altLang="zh-CN" sz="1600" dirty="0" smtClean="0"/>
-              <a:t>.4</a:t>
+              <a:t>6.4</a:t>
             </a:r>
             <a:r>
               <a:rPr kumimoji="1" lang="zh-CN" altLang="en-US" sz="1600" dirty="0" smtClean="0"/>
@@ -11260,14 +10830,10 @@
   </p:clrMapOvr>
   <mc:AlternateContent xmlns:mc="http://schemas.openxmlformats.org/markup-compatibility/2006" xmlns:p14="http://schemas.microsoft.com/office/powerpoint/2010/main">
     <mc:Choice Requires="p14">
-      <p:transition spd="slow" p14:dur="2250">
-        <p:random/>
-      </p:transition>
+      <p:transition p14:dur="0"/>
     </mc:Choice>
     <mc:Fallback xmlns="">
-      <p:transition spd="slow">
-        <p:random/>
-      </p:transition>
+      <p:transition/>
     </mc:Fallback>
   </mc:AlternateContent>
   <p:timing>
@@ -11385,11 +10951,6 @@
               </a:rPr>
               <a:t>AI</a:t>
             </a:r>
-            <a:endParaRPr kumimoji="1" lang="en-US" altLang="zh-CN" sz="2000" dirty="0" smtClean="0">
-              <a:solidFill>
-                <a:schemeClr val="bg1"/>
-              </a:solidFill>
-            </a:endParaRPr>
           </a:p>
         </p:txBody>
       </p:sp>
@@ -11563,11 +11124,7 @@
             </a:r>
             <a:r>
               <a:rPr kumimoji="1" lang="zh-CN" altLang="en-US" sz="2000" dirty="0" smtClean="0"/>
-              <a:t>、</a:t>
-            </a:r>
-            <a:r>
-              <a:rPr kumimoji="1" lang="zh-CN" altLang="en-US" sz="2000" dirty="0" smtClean="0"/>
-              <a:t>妥协落地</a:t>
+              <a:t>、妥协落地</a:t>
             </a:r>
             <a:endParaRPr kumimoji="1" lang="en-US" altLang="zh-CN" sz="2000" dirty="0" smtClean="0"/>
           </a:p>
@@ -11713,14 +11270,10 @@
   </p:clrMapOvr>
   <mc:AlternateContent xmlns:mc="http://schemas.openxmlformats.org/markup-compatibility/2006" xmlns:p14="http://schemas.microsoft.com/office/powerpoint/2010/main">
     <mc:Choice Requires="p14">
-      <p:transition spd="slow" p14:dur="2250">
-        <p:random/>
-      </p:transition>
+      <p:transition p14:dur="0"/>
     </mc:Choice>
     <mc:Fallback xmlns="">
-      <p:transition spd="slow">
-        <p:random/>
-      </p:transition>
+      <p:transition/>
     </mc:Fallback>
   </mc:AlternateContent>
   <p:timing>
@@ -11976,11 +11529,7 @@
             </a:r>
             <a:r>
               <a:rPr kumimoji="1" lang="zh-CN" altLang="en-US" sz="1600" dirty="0" smtClean="0"/>
-              <a:t>、</a:t>
-            </a:r>
-            <a:r>
-              <a:rPr kumimoji="1" lang="zh-CN" altLang="en-US" sz="1600" dirty="0" smtClean="0"/>
-              <a:t>网络</a:t>
+              <a:t>、网络</a:t>
             </a:r>
             <a:endParaRPr kumimoji="1" lang="en-US" altLang="zh-CN" sz="1600" dirty="0" smtClean="0"/>
           </a:p>
@@ -12092,11 +11641,7 @@
             </a:r>
             <a:r>
               <a:rPr kumimoji="1" lang="en-US" altLang="zh-CN" sz="1600" dirty="0" smtClean="0"/>
-              <a:t>6</a:t>
-            </a:r>
-            <a:r>
-              <a:rPr kumimoji="1" lang="en-US" altLang="zh-CN" sz="1600" dirty="0" smtClean="0"/>
-              <a:t>.4</a:t>
+              <a:t>6.4</a:t>
             </a:r>
             <a:r>
               <a:rPr kumimoji="1" lang="zh-CN" altLang="en-US" sz="1600" dirty="0" smtClean="0"/>
@@ -12530,14 +12075,10 @@
   </p:clrMapOvr>
   <mc:AlternateContent xmlns:mc="http://schemas.openxmlformats.org/markup-compatibility/2006" xmlns:p14="http://schemas.microsoft.com/office/powerpoint/2010/main">
     <mc:Choice Requires="p14">
-      <p:transition spd="slow" p14:dur="2250">
-        <p:random/>
-      </p:transition>
+      <p:transition p14:dur="0"/>
     </mc:Choice>
     <mc:Fallback xmlns="">
-      <p:transition spd="slow">
-        <p:random/>
-      </p:transition>
+      <p:transition/>
     </mc:Fallback>
   </mc:AlternateContent>
   <p:timing>
@@ -12791,11 +12332,7 @@
             </a:r>
             <a:r>
               <a:rPr kumimoji="1" lang="zh-CN" altLang="en-US" sz="1600" dirty="0" smtClean="0"/>
-              <a:t>、</a:t>
-            </a:r>
-            <a:r>
-              <a:rPr kumimoji="1" lang="zh-CN" altLang="en-US" sz="1600" dirty="0" smtClean="0"/>
-              <a:t>网络</a:t>
+              <a:t>、网络</a:t>
             </a:r>
             <a:endParaRPr kumimoji="1" lang="en-US" altLang="zh-CN" sz="1600" dirty="0" smtClean="0"/>
           </a:p>
@@ -12909,11 +12446,7 @@
             </a:r>
             <a:r>
               <a:rPr kumimoji="1" lang="en-US" altLang="zh-CN" sz="1600" dirty="0" smtClean="0"/>
-              <a:t>6</a:t>
-            </a:r>
-            <a:r>
-              <a:rPr kumimoji="1" lang="en-US" altLang="zh-CN" sz="1600" dirty="0" smtClean="0"/>
-              <a:t>.4</a:t>
+              <a:t>6.4</a:t>
             </a:r>
             <a:r>
               <a:rPr kumimoji="1" lang="zh-CN" altLang="en-US" sz="1600" dirty="0" smtClean="0"/>
@@ -13236,14 +12769,10 @@
   </p:clrMapOvr>
   <mc:AlternateContent xmlns:mc="http://schemas.openxmlformats.org/markup-compatibility/2006" xmlns:p14="http://schemas.microsoft.com/office/powerpoint/2010/main">
     <mc:Choice Requires="p14">
-      <p:transition spd="slow" p14:dur="2250">
-        <p:random/>
-      </p:transition>
+      <p:transition p14:dur="0"/>
     </mc:Choice>
     <mc:Fallback xmlns="">
-      <p:transition spd="slow">
-        <p:random/>
-      </p:transition>
+      <p:transition/>
     </mc:Fallback>
   </mc:AlternateContent>
   <p:timing>
@@ -13275,143 +12804,14 @@
       </p:grpSpPr>
       <p:sp>
         <p:nvSpPr>
-          <p:cNvPr id="16" name="矩形 15"/>
+          <p:cNvPr id="22" name="矩形 21"/>
           <p:cNvSpPr/>
           <p:nvPr/>
         </p:nvSpPr>
         <p:spPr>
           <a:xfrm>
-            <a:off x="3275635" y="706056"/>
-            <a:ext cx="7731889" cy="1250066"/>
-          </a:xfrm>
-          <a:prstGeom prst="rect">
-            <a:avLst/>
-          </a:prstGeom>
-          <a:solidFill>
-            <a:schemeClr val="accent4">
-              <a:lumMod val="50000"/>
-            </a:schemeClr>
-          </a:solidFill>
-        </p:spPr>
-        <p:style>
-          <a:lnRef idx="2">
-            <a:schemeClr val="accent2"/>
-          </a:lnRef>
-          <a:fillRef idx="1">
-            <a:schemeClr val="lt1"/>
-          </a:fillRef>
-          <a:effectRef idx="0">
-            <a:schemeClr val="accent2"/>
-          </a:effectRef>
-          <a:fontRef idx="minor">
-            <a:schemeClr val="dk1"/>
-          </a:fontRef>
-        </p:style>
-        <p:txBody>
-          <a:bodyPr rtlCol="0" anchor="ctr"/>
-          <a:lstStyle/>
-          <a:p>
-            <a:pPr algn="ctr"/>
-            <a:endParaRPr kumimoji="1" lang="zh-CN" altLang="en-US" b="1"/>
-          </a:p>
-        </p:txBody>
-      </p:sp>
-      <p:sp>
-        <p:nvSpPr>
-          <p:cNvPr id="17" name="矩形 16"/>
-          <p:cNvSpPr/>
-          <p:nvPr/>
-        </p:nvSpPr>
-        <p:spPr>
-          <a:xfrm>
-            <a:off x="3275634" y="2088188"/>
-            <a:ext cx="7731889" cy="1250066"/>
-          </a:xfrm>
-          <a:prstGeom prst="rect">
-            <a:avLst/>
-          </a:prstGeom>
-          <a:solidFill>
-            <a:schemeClr val="accent4">
-              <a:lumMod val="50000"/>
-            </a:schemeClr>
-          </a:solidFill>
-        </p:spPr>
-        <p:style>
-          <a:lnRef idx="2">
-            <a:schemeClr val="accent2"/>
-          </a:lnRef>
-          <a:fillRef idx="1">
-            <a:schemeClr val="lt1"/>
-          </a:fillRef>
-          <a:effectRef idx="0">
-            <a:schemeClr val="accent2"/>
-          </a:effectRef>
-          <a:fontRef idx="minor">
-            <a:schemeClr val="dk1"/>
-          </a:fontRef>
-        </p:style>
-        <p:txBody>
-          <a:bodyPr rtlCol="0" anchor="ctr"/>
-          <a:lstStyle/>
-          <a:p>
-            <a:pPr algn="ctr"/>
-            <a:endParaRPr kumimoji="1" lang="zh-CN" altLang="en-US" b="1"/>
-          </a:p>
-        </p:txBody>
-      </p:sp>
-      <p:sp>
-        <p:nvSpPr>
-          <p:cNvPr id="18" name="矩形 17"/>
-          <p:cNvSpPr/>
-          <p:nvPr/>
-        </p:nvSpPr>
-        <p:spPr>
-          <a:xfrm>
-            <a:off x="3275633" y="3467357"/>
-            <a:ext cx="7731889" cy="1250066"/>
-          </a:xfrm>
-          <a:prstGeom prst="rect">
-            <a:avLst/>
-          </a:prstGeom>
-          <a:solidFill>
-            <a:schemeClr val="accent4">
-              <a:lumMod val="50000"/>
-            </a:schemeClr>
-          </a:solidFill>
-        </p:spPr>
-        <p:style>
-          <a:lnRef idx="2">
-            <a:schemeClr val="accent2"/>
-          </a:lnRef>
-          <a:fillRef idx="1">
-            <a:schemeClr val="lt1"/>
-          </a:fillRef>
-          <a:effectRef idx="0">
-            <a:schemeClr val="accent2"/>
-          </a:effectRef>
-          <a:fontRef idx="minor">
-            <a:schemeClr val="dk1"/>
-          </a:fontRef>
-        </p:style>
-        <p:txBody>
-          <a:bodyPr rtlCol="0" anchor="ctr"/>
-          <a:lstStyle/>
-          <a:p>
-            <a:pPr algn="ctr"/>
-            <a:endParaRPr kumimoji="1" lang="zh-CN" altLang="en-US" b="1"/>
-          </a:p>
-        </p:txBody>
-      </p:sp>
-      <p:sp>
-        <p:nvSpPr>
-          <p:cNvPr id="19" name="矩形 18"/>
-          <p:cNvSpPr/>
-          <p:nvPr/>
-        </p:nvSpPr>
-        <p:spPr>
-          <a:xfrm>
-            <a:off x="3275632" y="4846526"/>
-            <a:ext cx="7731889" cy="1250066"/>
+            <a:off x="3037152" y="711319"/>
+            <a:ext cx="2391654" cy="5556371"/>
           </a:xfrm>
           <a:prstGeom prst="rect">
             <a:avLst/>
@@ -13669,11 +13069,7 @@
             </a:r>
             <a:r>
               <a:rPr kumimoji="1" lang="zh-CN" altLang="en-US" sz="1600" dirty="0" smtClean="0"/>
-              <a:t>、</a:t>
-            </a:r>
-            <a:r>
-              <a:rPr kumimoji="1" lang="zh-CN" altLang="en-US" sz="1600" dirty="0" smtClean="0"/>
-              <a:t>网络</a:t>
+              <a:t>、网络</a:t>
             </a:r>
             <a:endParaRPr kumimoji="1" lang="en-US" altLang="zh-CN" sz="1600" dirty="0" smtClean="0"/>
           </a:p>
@@ -13787,11 +13183,7 @@
             </a:r>
             <a:r>
               <a:rPr kumimoji="1" lang="en-US" altLang="zh-CN" sz="1600" dirty="0" smtClean="0"/>
-              <a:t>6</a:t>
-            </a:r>
-            <a:r>
-              <a:rPr kumimoji="1" lang="en-US" altLang="zh-CN" sz="1600" dirty="0" smtClean="0"/>
-              <a:t>.4</a:t>
+              <a:t>6.4</a:t>
             </a:r>
             <a:r>
               <a:rPr kumimoji="1" lang="zh-CN" altLang="en-US" sz="1600" dirty="0" smtClean="0"/>
@@ -13801,192 +13193,409 @@
           </a:p>
         </p:txBody>
       </p:sp>
+      <p:grpSp>
+        <p:nvGrpSpPr>
+          <p:cNvPr id="21" name="组 20"/>
+          <p:cNvGrpSpPr/>
+          <p:nvPr/>
+        </p:nvGrpSpPr>
+        <p:grpSpPr>
+          <a:xfrm>
+            <a:off x="5509546" y="711842"/>
+            <a:ext cx="6366079" cy="5555848"/>
+            <a:chOff x="3275632" y="706056"/>
+            <a:chExt cx="7731892" cy="5390536"/>
+          </a:xfrm>
+        </p:grpSpPr>
+        <p:sp>
+          <p:nvSpPr>
+            <p:cNvPr id="16" name="矩形 15"/>
+            <p:cNvSpPr/>
+            <p:nvPr/>
+          </p:nvSpPr>
+          <p:spPr>
+            <a:xfrm>
+              <a:off x="3275635" y="706056"/>
+              <a:ext cx="7731889" cy="1250066"/>
+            </a:xfrm>
+            <a:prstGeom prst="rect">
+              <a:avLst/>
+            </a:prstGeom>
+            <a:solidFill>
+              <a:schemeClr val="accent4">
+                <a:lumMod val="50000"/>
+              </a:schemeClr>
+            </a:solidFill>
+          </p:spPr>
+          <p:style>
+            <a:lnRef idx="2">
+              <a:schemeClr val="accent2"/>
+            </a:lnRef>
+            <a:fillRef idx="1">
+              <a:schemeClr val="lt1"/>
+            </a:fillRef>
+            <a:effectRef idx="0">
+              <a:schemeClr val="accent2"/>
+            </a:effectRef>
+            <a:fontRef idx="minor">
+              <a:schemeClr val="dk1"/>
+            </a:fontRef>
+          </p:style>
+          <p:txBody>
+            <a:bodyPr rtlCol="0" anchor="ctr"/>
+            <a:lstStyle/>
+            <a:p>
+              <a:pPr algn="ctr"/>
+              <a:endParaRPr kumimoji="1" lang="zh-CN" altLang="en-US" b="1"/>
+            </a:p>
+          </p:txBody>
+        </p:sp>
+        <p:sp>
+          <p:nvSpPr>
+            <p:cNvPr id="17" name="矩形 16"/>
+            <p:cNvSpPr/>
+            <p:nvPr/>
+          </p:nvSpPr>
+          <p:spPr>
+            <a:xfrm>
+              <a:off x="3275634" y="2088188"/>
+              <a:ext cx="7731889" cy="1250066"/>
+            </a:xfrm>
+            <a:prstGeom prst="rect">
+              <a:avLst/>
+            </a:prstGeom>
+            <a:solidFill>
+              <a:schemeClr val="accent4">
+                <a:lumMod val="50000"/>
+              </a:schemeClr>
+            </a:solidFill>
+          </p:spPr>
+          <p:style>
+            <a:lnRef idx="2">
+              <a:schemeClr val="accent2"/>
+            </a:lnRef>
+            <a:fillRef idx="1">
+              <a:schemeClr val="lt1"/>
+            </a:fillRef>
+            <a:effectRef idx="0">
+              <a:schemeClr val="accent2"/>
+            </a:effectRef>
+            <a:fontRef idx="minor">
+              <a:schemeClr val="dk1"/>
+            </a:fontRef>
+          </p:style>
+          <p:txBody>
+            <a:bodyPr rtlCol="0" anchor="ctr"/>
+            <a:lstStyle/>
+            <a:p>
+              <a:pPr algn="ctr"/>
+              <a:endParaRPr kumimoji="1" lang="zh-CN" altLang="en-US" b="1"/>
+            </a:p>
+          </p:txBody>
+        </p:sp>
+        <p:sp>
+          <p:nvSpPr>
+            <p:cNvPr id="18" name="矩形 17"/>
+            <p:cNvSpPr/>
+            <p:nvPr/>
+          </p:nvSpPr>
+          <p:spPr>
+            <a:xfrm>
+              <a:off x="3275633" y="3467357"/>
+              <a:ext cx="7731889" cy="1250066"/>
+            </a:xfrm>
+            <a:prstGeom prst="rect">
+              <a:avLst/>
+            </a:prstGeom>
+            <a:solidFill>
+              <a:schemeClr val="accent4">
+                <a:lumMod val="50000"/>
+              </a:schemeClr>
+            </a:solidFill>
+          </p:spPr>
+          <p:style>
+            <a:lnRef idx="2">
+              <a:schemeClr val="accent2"/>
+            </a:lnRef>
+            <a:fillRef idx="1">
+              <a:schemeClr val="lt1"/>
+            </a:fillRef>
+            <a:effectRef idx="0">
+              <a:schemeClr val="accent2"/>
+            </a:effectRef>
+            <a:fontRef idx="minor">
+              <a:schemeClr val="dk1"/>
+            </a:fontRef>
+          </p:style>
+          <p:txBody>
+            <a:bodyPr rtlCol="0" anchor="ctr"/>
+            <a:lstStyle/>
+            <a:p>
+              <a:pPr algn="ctr"/>
+              <a:endParaRPr kumimoji="1" lang="zh-CN" altLang="en-US" b="1"/>
+            </a:p>
+          </p:txBody>
+        </p:sp>
+        <p:sp>
+          <p:nvSpPr>
+            <p:cNvPr id="19" name="矩形 18"/>
+            <p:cNvSpPr/>
+            <p:nvPr/>
+          </p:nvSpPr>
+          <p:spPr>
+            <a:xfrm>
+              <a:off x="3275632" y="4846526"/>
+              <a:ext cx="7731889" cy="1250066"/>
+            </a:xfrm>
+            <a:prstGeom prst="rect">
+              <a:avLst/>
+            </a:prstGeom>
+            <a:solidFill>
+              <a:schemeClr val="accent4">
+                <a:lumMod val="50000"/>
+              </a:schemeClr>
+            </a:solidFill>
+          </p:spPr>
+          <p:style>
+            <a:lnRef idx="2">
+              <a:schemeClr val="accent2"/>
+            </a:lnRef>
+            <a:fillRef idx="1">
+              <a:schemeClr val="lt1"/>
+            </a:fillRef>
+            <a:effectRef idx="0">
+              <a:schemeClr val="accent2"/>
+            </a:effectRef>
+            <a:fontRef idx="minor">
+              <a:schemeClr val="dk1"/>
+            </a:fontRef>
+          </p:style>
+          <p:txBody>
+            <a:bodyPr rtlCol="0" anchor="ctr"/>
+            <a:lstStyle/>
+            <a:p>
+              <a:pPr algn="ctr"/>
+              <a:endParaRPr kumimoji="1" lang="zh-CN" altLang="en-US" b="1"/>
+            </a:p>
+          </p:txBody>
+        </p:sp>
+        <p:pic>
+          <p:nvPicPr>
+            <p:cNvPr id="2" name="图片 1"/>
+            <p:cNvPicPr>
+              <a:picLocks noChangeAspect="1"/>
+            </p:cNvPicPr>
+            <p:nvPr/>
+          </p:nvPicPr>
+          <p:blipFill>
+            <a:blip r:embed="rId3"/>
+            <a:stretch>
+              <a:fillRect/>
+            </a:stretch>
+          </p:blipFill>
+          <p:spPr>
+            <a:xfrm>
+              <a:off x="3506567" y="921376"/>
+              <a:ext cx="2980399" cy="769556"/>
+            </a:xfrm>
+            <a:prstGeom prst="rect">
+              <a:avLst/>
+            </a:prstGeom>
+          </p:spPr>
+        </p:pic>
+        <p:pic>
+          <p:nvPicPr>
+            <p:cNvPr id="3" name="图片 2"/>
+            <p:cNvPicPr>
+              <a:picLocks noChangeAspect="1"/>
+            </p:cNvPicPr>
+            <p:nvPr/>
+          </p:nvPicPr>
+          <p:blipFill>
+            <a:blip r:embed="rId4"/>
+            <a:stretch>
+              <a:fillRect/>
+            </a:stretch>
+          </p:blipFill>
+          <p:spPr>
+            <a:xfrm>
+              <a:off x="6885008" y="1121970"/>
+              <a:ext cx="2273300" cy="304800"/>
+            </a:xfrm>
+            <a:prstGeom prst="rect">
+              <a:avLst/>
+            </a:prstGeom>
+          </p:spPr>
+        </p:pic>
+        <p:pic>
+          <p:nvPicPr>
+            <p:cNvPr id="4" name="图片 3"/>
+            <p:cNvPicPr>
+              <a:picLocks noChangeAspect="1"/>
+            </p:cNvPicPr>
+            <p:nvPr/>
+          </p:nvPicPr>
+          <p:blipFill>
+            <a:blip r:embed="rId5"/>
+            <a:stretch>
+              <a:fillRect/>
+            </a:stretch>
+          </p:blipFill>
+          <p:spPr>
+            <a:xfrm>
+              <a:off x="3506567" y="2236343"/>
+              <a:ext cx="1016000" cy="876300"/>
+            </a:xfrm>
+            <a:prstGeom prst="rect">
+              <a:avLst/>
+            </a:prstGeom>
+          </p:spPr>
+        </p:pic>
+        <p:pic>
+          <p:nvPicPr>
+            <p:cNvPr id="6" name="图片 5"/>
+            <p:cNvPicPr>
+              <a:picLocks noChangeAspect="1"/>
+            </p:cNvPicPr>
+            <p:nvPr/>
+          </p:nvPicPr>
+          <p:blipFill>
+            <a:blip r:embed="rId6"/>
+            <a:stretch>
+              <a:fillRect/>
+            </a:stretch>
+          </p:blipFill>
+          <p:spPr>
+            <a:xfrm>
+              <a:off x="7107254" y="2131293"/>
+              <a:ext cx="2881934" cy="1157929"/>
+            </a:xfrm>
+            <a:prstGeom prst="rect">
+              <a:avLst/>
+            </a:prstGeom>
+          </p:spPr>
+        </p:pic>
+        <p:pic>
+          <p:nvPicPr>
+            <p:cNvPr id="8" name="图片 7"/>
+            <p:cNvPicPr>
+              <a:picLocks noChangeAspect="1"/>
+            </p:cNvPicPr>
+            <p:nvPr/>
+          </p:nvPicPr>
+          <p:blipFill>
+            <a:blip r:embed="rId7"/>
+            <a:stretch>
+              <a:fillRect/>
+            </a:stretch>
+          </p:blipFill>
+          <p:spPr>
+            <a:xfrm>
+              <a:off x="3355142" y="3529381"/>
+              <a:ext cx="3786434" cy="1118976"/>
+            </a:xfrm>
+            <a:prstGeom prst="rect">
+              <a:avLst/>
+            </a:prstGeom>
+          </p:spPr>
+        </p:pic>
+        <p:pic>
+          <p:nvPicPr>
+            <p:cNvPr id="10" name="图片 9"/>
+            <p:cNvPicPr>
+              <a:picLocks noChangeAspect="1"/>
+            </p:cNvPicPr>
+            <p:nvPr/>
+          </p:nvPicPr>
+          <p:blipFill>
+            <a:blip r:embed="rId8"/>
+            <a:stretch>
+              <a:fillRect/>
+            </a:stretch>
+          </p:blipFill>
+          <p:spPr>
+            <a:xfrm>
+              <a:off x="7436249" y="3918015"/>
+              <a:ext cx="3276600" cy="381000"/>
+            </a:xfrm>
+            <a:prstGeom prst="rect">
+              <a:avLst/>
+            </a:prstGeom>
+          </p:spPr>
+        </p:pic>
+        <p:pic>
+          <p:nvPicPr>
+            <p:cNvPr id="11" name="图片 10"/>
+            <p:cNvPicPr>
+              <a:picLocks noChangeAspect="1"/>
+            </p:cNvPicPr>
+            <p:nvPr/>
+          </p:nvPicPr>
+          <p:blipFill>
+            <a:blip r:embed="rId9"/>
+            <a:stretch>
+              <a:fillRect/>
+            </a:stretch>
+          </p:blipFill>
+          <p:spPr>
+            <a:xfrm>
+              <a:off x="3475424" y="4988959"/>
+              <a:ext cx="1016000" cy="965200"/>
+            </a:xfrm>
+            <a:prstGeom prst="rect">
+              <a:avLst/>
+            </a:prstGeom>
+          </p:spPr>
+        </p:pic>
+        <p:pic>
+          <p:nvPicPr>
+            <p:cNvPr id="12" name="图片 11"/>
+            <p:cNvPicPr>
+              <a:picLocks noChangeAspect="1"/>
+            </p:cNvPicPr>
+            <p:nvPr/>
+          </p:nvPicPr>
+          <p:blipFill>
+            <a:blip r:embed="rId10"/>
+            <a:stretch>
+              <a:fillRect/>
+            </a:stretch>
+          </p:blipFill>
+          <p:spPr>
+            <a:xfrm>
+              <a:off x="5248359" y="4904698"/>
+              <a:ext cx="5237064" cy="1133722"/>
+            </a:xfrm>
+            <a:prstGeom prst="rect">
+              <a:avLst/>
+            </a:prstGeom>
+          </p:spPr>
+        </p:pic>
+      </p:grpSp>
       <p:pic>
         <p:nvPicPr>
-          <p:cNvPr id="2" name="图片 1"/>
+          <p:cNvPr id="20" name="图片 19"/>
           <p:cNvPicPr>
             <a:picLocks noChangeAspect="1"/>
           </p:cNvPicPr>
           <p:nvPr/>
         </p:nvPicPr>
         <p:blipFill>
-          <a:blip r:embed="rId3"/>
+          <a:blip r:embed="rId11">
+            <a:extLst>
+              <a:ext uri="{28A0092B-C50C-407E-A947-70E740481C1C}">
+                <a14:useLocalDpi xmlns:a14="http://schemas.microsoft.com/office/drawing/2010/main" val="0"/>
+              </a:ext>
+            </a:extLst>
+          </a:blip>
           <a:stretch>
             <a:fillRect/>
           </a:stretch>
         </p:blipFill>
         <p:spPr>
           <a:xfrm>
-            <a:off x="3506567" y="921376"/>
-            <a:ext cx="2980399" cy="769556"/>
-          </a:xfrm>
-          <a:prstGeom prst="rect">
-            <a:avLst/>
-          </a:prstGeom>
-        </p:spPr>
-      </p:pic>
-      <p:pic>
-        <p:nvPicPr>
-          <p:cNvPr id="3" name="图片 2"/>
-          <p:cNvPicPr>
-            <a:picLocks noChangeAspect="1"/>
-          </p:cNvPicPr>
-          <p:nvPr/>
-        </p:nvPicPr>
-        <p:blipFill>
-          <a:blip r:embed="rId4"/>
-          <a:stretch>
-            <a:fillRect/>
-          </a:stretch>
-        </p:blipFill>
-        <p:spPr>
-          <a:xfrm>
-            <a:off x="6885008" y="1121970"/>
-            <a:ext cx="2273300" cy="304800"/>
-          </a:xfrm>
-          <a:prstGeom prst="rect">
-            <a:avLst/>
-          </a:prstGeom>
-        </p:spPr>
-      </p:pic>
-      <p:pic>
-        <p:nvPicPr>
-          <p:cNvPr id="4" name="图片 3"/>
-          <p:cNvPicPr>
-            <a:picLocks noChangeAspect="1"/>
-          </p:cNvPicPr>
-          <p:nvPr/>
-        </p:nvPicPr>
-        <p:blipFill>
-          <a:blip r:embed="rId5"/>
-          <a:stretch>
-            <a:fillRect/>
-          </a:stretch>
-        </p:blipFill>
-        <p:spPr>
-          <a:xfrm>
-            <a:off x="3506567" y="2236343"/>
-            <a:ext cx="1016000" cy="876300"/>
-          </a:xfrm>
-          <a:prstGeom prst="rect">
-            <a:avLst/>
-          </a:prstGeom>
-        </p:spPr>
-      </p:pic>
-      <p:pic>
-        <p:nvPicPr>
-          <p:cNvPr id="6" name="图片 5"/>
-          <p:cNvPicPr>
-            <a:picLocks noChangeAspect="1"/>
-          </p:cNvPicPr>
-          <p:nvPr/>
-        </p:nvPicPr>
-        <p:blipFill>
-          <a:blip r:embed="rId6"/>
-          <a:stretch>
-            <a:fillRect/>
-          </a:stretch>
-        </p:blipFill>
-        <p:spPr>
-          <a:xfrm>
-            <a:off x="7107254" y="2131293"/>
-            <a:ext cx="2881934" cy="1157929"/>
-          </a:xfrm>
-          <a:prstGeom prst="rect">
-            <a:avLst/>
-          </a:prstGeom>
-        </p:spPr>
-      </p:pic>
-      <p:pic>
-        <p:nvPicPr>
-          <p:cNvPr id="8" name="图片 7"/>
-          <p:cNvPicPr>
-            <a:picLocks noChangeAspect="1"/>
-          </p:cNvPicPr>
-          <p:nvPr/>
-        </p:nvPicPr>
-        <p:blipFill>
-          <a:blip r:embed="rId7"/>
-          <a:stretch>
-            <a:fillRect/>
-          </a:stretch>
-        </p:blipFill>
-        <p:spPr>
-          <a:xfrm>
-            <a:off x="3355142" y="3529381"/>
-            <a:ext cx="3786434" cy="1118976"/>
-          </a:xfrm>
-          <a:prstGeom prst="rect">
-            <a:avLst/>
-          </a:prstGeom>
-        </p:spPr>
-      </p:pic>
-      <p:pic>
-        <p:nvPicPr>
-          <p:cNvPr id="10" name="图片 9"/>
-          <p:cNvPicPr>
-            <a:picLocks noChangeAspect="1"/>
-          </p:cNvPicPr>
-          <p:nvPr/>
-        </p:nvPicPr>
-        <p:blipFill>
-          <a:blip r:embed="rId8"/>
-          <a:stretch>
-            <a:fillRect/>
-          </a:stretch>
-        </p:blipFill>
-        <p:spPr>
-          <a:xfrm>
-            <a:off x="7436249" y="3918015"/>
-            <a:ext cx="3276600" cy="381000"/>
-          </a:xfrm>
-          <a:prstGeom prst="rect">
-            <a:avLst/>
-          </a:prstGeom>
-        </p:spPr>
-      </p:pic>
-      <p:pic>
-        <p:nvPicPr>
-          <p:cNvPr id="11" name="图片 10"/>
-          <p:cNvPicPr>
-            <a:picLocks noChangeAspect="1"/>
-          </p:cNvPicPr>
-          <p:nvPr/>
-        </p:nvPicPr>
-        <p:blipFill>
-          <a:blip r:embed="rId9"/>
-          <a:stretch>
-            <a:fillRect/>
-          </a:stretch>
-        </p:blipFill>
-        <p:spPr>
-          <a:xfrm>
-            <a:off x="3475424" y="4988959"/>
-            <a:ext cx="1016000" cy="965200"/>
-          </a:xfrm>
-          <a:prstGeom prst="rect">
-            <a:avLst/>
-          </a:prstGeom>
-        </p:spPr>
-      </p:pic>
-      <p:pic>
-        <p:nvPicPr>
-          <p:cNvPr id="12" name="图片 11"/>
-          <p:cNvPicPr>
-            <a:picLocks noChangeAspect="1"/>
-          </p:cNvPicPr>
-          <p:nvPr/>
-        </p:nvPicPr>
-        <p:blipFill>
-          <a:blip r:embed="rId10"/>
-          <a:stretch>
-            <a:fillRect/>
-          </a:stretch>
-        </p:blipFill>
-        <p:spPr>
-          <a:xfrm>
-            <a:off x="5248359" y="4904698"/>
-            <a:ext cx="5237064" cy="1133722"/>
+            <a:off x="3141953" y="1013851"/>
+            <a:ext cx="2188726" cy="4947111"/>
           </a:xfrm>
           <a:prstGeom prst="rect">
             <a:avLst/>
@@ -14005,14 +13614,10 @@
   </p:clrMapOvr>
   <mc:AlternateContent xmlns:mc="http://schemas.openxmlformats.org/markup-compatibility/2006" xmlns:p14="http://schemas.microsoft.com/office/powerpoint/2010/main">
     <mc:Choice Requires="p14">
-      <p:transition spd="slow" p14:dur="2250">
-        <p:random/>
-      </p:transition>
+      <p:transition p14:dur="0"/>
     </mc:Choice>
     <mc:Fallback xmlns="">
-      <p:transition spd="slow">
-        <p:random/>
-      </p:transition>
+      <p:transition/>
     </mc:Fallback>
   </mc:AlternateContent>
   <p:timing>
@@ -14132,9 +13737,282 @@
           </a:p>
         </p:txBody>
       </p:sp>
+      <p:grpSp>
+        <p:nvGrpSpPr>
+          <p:cNvPr id="2" name="组 1"/>
+          <p:cNvGrpSpPr/>
+          <p:nvPr/>
+        </p:nvGrpSpPr>
+        <p:grpSpPr>
+          <a:xfrm>
+            <a:off x="266218" y="265814"/>
+            <a:ext cx="11725154" cy="6366482"/>
+            <a:chOff x="-196770" y="267508"/>
+            <a:chExt cx="12388770" cy="5367489"/>
+          </a:xfrm>
+        </p:grpSpPr>
+        <p:sp>
+          <p:nvSpPr>
+            <p:cNvPr id="11" name="矩形 10"/>
+            <p:cNvSpPr/>
+            <p:nvPr/>
+          </p:nvSpPr>
+          <p:spPr>
+            <a:xfrm>
+              <a:off x="-196770" y="267508"/>
+              <a:ext cx="4020272" cy="2615265"/>
+            </a:xfrm>
+            <a:prstGeom prst="rect">
+              <a:avLst/>
+            </a:prstGeom>
+            <a:solidFill>
+              <a:schemeClr val="accent4">
+                <a:lumMod val="50000"/>
+              </a:schemeClr>
+            </a:solidFill>
+          </p:spPr>
+          <p:style>
+            <a:lnRef idx="2">
+              <a:schemeClr val="accent2"/>
+            </a:lnRef>
+            <a:fillRef idx="1">
+              <a:schemeClr val="lt1"/>
+            </a:fillRef>
+            <a:effectRef idx="0">
+              <a:schemeClr val="accent2"/>
+            </a:effectRef>
+            <a:fontRef idx="minor">
+              <a:schemeClr val="dk1"/>
+            </a:fontRef>
+          </p:style>
+          <p:txBody>
+            <a:bodyPr rtlCol="0" anchor="ctr"/>
+            <a:lstStyle/>
+            <a:p>
+              <a:pPr algn="ctr"/>
+              <a:endParaRPr kumimoji="1" lang="zh-CN" altLang="en-US" b="1"/>
+            </a:p>
+          </p:txBody>
+        </p:sp>
+        <p:sp>
+          <p:nvSpPr>
+            <p:cNvPr id="13" name="矩形 12"/>
+            <p:cNvSpPr/>
+            <p:nvPr/>
+          </p:nvSpPr>
+          <p:spPr>
+            <a:xfrm>
+              <a:off x="3987479" y="267508"/>
+              <a:ext cx="4020272" cy="2615265"/>
+            </a:xfrm>
+            <a:prstGeom prst="rect">
+              <a:avLst/>
+            </a:prstGeom>
+            <a:solidFill>
+              <a:schemeClr val="accent4">
+                <a:lumMod val="50000"/>
+              </a:schemeClr>
+            </a:solidFill>
+          </p:spPr>
+          <p:style>
+            <a:lnRef idx="2">
+              <a:schemeClr val="accent2"/>
+            </a:lnRef>
+            <a:fillRef idx="1">
+              <a:schemeClr val="lt1"/>
+            </a:fillRef>
+            <a:effectRef idx="0">
+              <a:schemeClr val="accent2"/>
+            </a:effectRef>
+            <a:fontRef idx="minor">
+              <a:schemeClr val="dk1"/>
+            </a:fontRef>
+          </p:style>
+          <p:txBody>
+            <a:bodyPr rtlCol="0" anchor="ctr"/>
+            <a:lstStyle/>
+            <a:p>
+              <a:pPr algn="ctr"/>
+              <a:endParaRPr kumimoji="1" lang="zh-CN" altLang="en-US" b="1"/>
+            </a:p>
+          </p:txBody>
+        </p:sp>
+        <p:sp>
+          <p:nvSpPr>
+            <p:cNvPr id="15" name="矩形 14"/>
+            <p:cNvSpPr/>
+            <p:nvPr/>
+          </p:nvSpPr>
+          <p:spPr>
+            <a:xfrm>
+              <a:off x="8171728" y="267508"/>
+              <a:ext cx="4020272" cy="2615265"/>
+            </a:xfrm>
+            <a:prstGeom prst="rect">
+              <a:avLst/>
+            </a:prstGeom>
+            <a:solidFill>
+              <a:schemeClr val="accent4">
+                <a:lumMod val="50000"/>
+              </a:schemeClr>
+            </a:solidFill>
+          </p:spPr>
+          <p:style>
+            <a:lnRef idx="2">
+              <a:schemeClr val="accent2"/>
+            </a:lnRef>
+            <a:fillRef idx="1">
+              <a:schemeClr val="lt1"/>
+            </a:fillRef>
+            <a:effectRef idx="0">
+              <a:schemeClr val="accent2"/>
+            </a:effectRef>
+            <a:fontRef idx="minor">
+              <a:schemeClr val="dk1"/>
+            </a:fontRef>
+          </p:style>
+          <p:txBody>
+            <a:bodyPr rtlCol="0" anchor="ctr"/>
+            <a:lstStyle/>
+            <a:p>
+              <a:pPr algn="ctr"/>
+              <a:endParaRPr kumimoji="1" lang="zh-CN" altLang="en-US" b="1"/>
+            </a:p>
+          </p:txBody>
+        </p:sp>
+        <p:sp>
+          <p:nvSpPr>
+            <p:cNvPr id="16" name="矩形 15"/>
+            <p:cNvSpPr/>
+            <p:nvPr/>
+          </p:nvSpPr>
+          <p:spPr>
+            <a:xfrm>
+              <a:off x="-196770" y="3019732"/>
+              <a:ext cx="4020272" cy="2615265"/>
+            </a:xfrm>
+            <a:prstGeom prst="rect">
+              <a:avLst/>
+            </a:prstGeom>
+            <a:solidFill>
+              <a:schemeClr val="accent4">
+                <a:lumMod val="50000"/>
+              </a:schemeClr>
+            </a:solidFill>
+          </p:spPr>
+          <p:style>
+            <a:lnRef idx="2">
+              <a:schemeClr val="accent2"/>
+            </a:lnRef>
+            <a:fillRef idx="1">
+              <a:schemeClr val="lt1"/>
+            </a:fillRef>
+            <a:effectRef idx="0">
+              <a:schemeClr val="accent2"/>
+            </a:effectRef>
+            <a:fontRef idx="minor">
+              <a:schemeClr val="dk1"/>
+            </a:fontRef>
+          </p:style>
+          <p:txBody>
+            <a:bodyPr rtlCol="0" anchor="ctr"/>
+            <a:lstStyle/>
+            <a:p>
+              <a:pPr algn="ctr"/>
+              <a:endParaRPr kumimoji="1" lang="zh-CN" altLang="en-US" b="1"/>
+            </a:p>
+          </p:txBody>
+        </p:sp>
+        <p:sp>
+          <p:nvSpPr>
+            <p:cNvPr id="17" name="矩形 16"/>
+            <p:cNvSpPr/>
+            <p:nvPr/>
+          </p:nvSpPr>
+          <p:spPr>
+            <a:xfrm>
+              <a:off x="3987479" y="3019732"/>
+              <a:ext cx="4020272" cy="2615265"/>
+            </a:xfrm>
+            <a:prstGeom prst="rect">
+              <a:avLst/>
+            </a:prstGeom>
+            <a:solidFill>
+              <a:schemeClr val="accent4">
+                <a:lumMod val="50000"/>
+              </a:schemeClr>
+            </a:solidFill>
+          </p:spPr>
+          <p:style>
+            <a:lnRef idx="2">
+              <a:schemeClr val="accent2"/>
+            </a:lnRef>
+            <a:fillRef idx="1">
+              <a:schemeClr val="lt1"/>
+            </a:fillRef>
+            <a:effectRef idx="0">
+              <a:schemeClr val="accent2"/>
+            </a:effectRef>
+            <a:fontRef idx="minor">
+              <a:schemeClr val="dk1"/>
+            </a:fontRef>
+          </p:style>
+          <p:txBody>
+            <a:bodyPr rtlCol="0" anchor="ctr"/>
+            <a:lstStyle/>
+            <a:p>
+              <a:pPr algn="ctr"/>
+              <a:endParaRPr kumimoji="1" lang="zh-CN" altLang="en-US" b="1"/>
+            </a:p>
+          </p:txBody>
+        </p:sp>
+        <p:sp>
+          <p:nvSpPr>
+            <p:cNvPr id="18" name="矩形 17"/>
+            <p:cNvSpPr/>
+            <p:nvPr/>
+          </p:nvSpPr>
+          <p:spPr>
+            <a:xfrm>
+              <a:off x="8171728" y="3019730"/>
+              <a:ext cx="4020272" cy="2615265"/>
+            </a:xfrm>
+            <a:prstGeom prst="rect">
+              <a:avLst/>
+            </a:prstGeom>
+            <a:solidFill>
+              <a:schemeClr val="accent4">
+                <a:lumMod val="50000"/>
+              </a:schemeClr>
+            </a:solidFill>
+          </p:spPr>
+          <p:style>
+            <a:lnRef idx="2">
+              <a:schemeClr val="accent2"/>
+            </a:lnRef>
+            <a:fillRef idx="1">
+              <a:schemeClr val="lt1"/>
+            </a:fillRef>
+            <a:effectRef idx="0">
+              <a:schemeClr val="accent2"/>
+            </a:effectRef>
+            <a:fontRef idx="minor">
+              <a:schemeClr val="dk1"/>
+            </a:fontRef>
+          </p:style>
+          <p:txBody>
+            <a:bodyPr rtlCol="0" anchor="ctr"/>
+            <a:lstStyle/>
+            <a:p>
+              <a:pPr algn="ctr"/>
+              <a:endParaRPr kumimoji="1" lang="zh-CN" altLang="en-US" b="1"/>
+            </a:p>
+          </p:txBody>
+        </p:sp>
+      </p:grpSp>
       <p:pic>
         <p:nvPicPr>
-          <p:cNvPr id="8" name="图片 7"/>
+          <p:cNvPr id="19" name="图片 18"/>
           <p:cNvPicPr>
             <a:picLocks noChangeAspect="1"/>
           </p:cNvPicPr>
@@ -14154,8 +14032,8 @@
         </p:blipFill>
         <p:spPr>
           <a:xfrm>
-            <a:off x="982112" y="235391"/>
-            <a:ext cx="5291368" cy="2819779"/>
+            <a:off x="8302360" y="4143535"/>
+            <a:ext cx="3584195" cy="1910023"/>
           </a:xfrm>
           <a:prstGeom prst="rect">
             <a:avLst/>
@@ -14164,7 +14042,7 @@
       </p:pic>
       <p:pic>
         <p:nvPicPr>
-          <p:cNvPr id="9" name="图片 8"/>
+          <p:cNvPr id="20" name="图片 19"/>
           <p:cNvPicPr>
             <a:picLocks noChangeAspect="1"/>
           </p:cNvPicPr>
@@ -14184,8 +14062,8 @@
         </p:blipFill>
         <p:spPr>
           <a:xfrm>
-            <a:off x="6426397" y="235391"/>
-            <a:ext cx="4486993" cy="2995110"/>
+            <a:off x="4319378" y="3960987"/>
+            <a:ext cx="3603077" cy="2405088"/>
           </a:xfrm>
           <a:prstGeom prst="rect">
             <a:avLst/>
@@ -14194,7 +14072,7 @@
       </p:pic>
       <p:pic>
         <p:nvPicPr>
-          <p:cNvPr id="10" name="图片 9"/>
+          <p:cNvPr id="21" name="图片 20"/>
           <p:cNvPicPr>
             <a:picLocks noChangeAspect="1"/>
           </p:cNvPicPr>
@@ -14214,8 +14092,8 @@
         </p:blipFill>
         <p:spPr>
           <a:xfrm>
-            <a:off x="5243313" y="4049282"/>
-            <a:ext cx="6111380" cy="1680186"/>
+            <a:off x="360011" y="4686914"/>
+            <a:ext cx="3623705" cy="996256"/>
           </a:xfrm>
           <a:prstGeom prst="rect">
             <a:avLst/>
@@ -14224,7 +14102,7 @@
       </p:pic>
       <p:pic>
         <p:nvPicPr>
-          <p:cNvPr id="11" name="图片 10"/>
+          <p:cNvPr id="22" name="图片 21"/>
           <p:cNvPicPr>
             <a:picLocks noChangeAspect="1"/>
           </p:cNvPicPr>
@@ -14244,8 +14122,68 @@
         </p:blipFill>
         <p:spPr>
           <a:xfrm>
-            <a:off x="1366522" y="3120370"/>
-            <a:ext cx="3624613" cy="3624613"/>
+            <a:off x="8369793" y="983647"/>
+            <a:ext cx="3517406" cy="1850632"/>
+          </a:xfrm>
+          <a:prstGeom prst="rect">
+            <a:avLst/>
+          </a:prstGeom>
+        </p:spPr>
+      </p:pic>
+      <p:pic>
+        <p:nvPicPr>
+          <p:cNvPr id="23" name="图片 22"/>
+          <p:cNvPicPr>
+            <a:picLocks noChangeAspect="1"/>
+          </p:cNvPicPr>
+          <p:nvPr/>
+        </p:nvPicPr>
+        <p:blipFill>
+          <a:blip r:embed="rId7">
+            <a:extLst>
+              <a:ext uri="{28A0092B-C50C-407E-A947-70E740481C1C}">
+                <a14:useLocalDpi xmlns:a14="http://schemas.microsoft.com/office/drawing/2010/main" val="0"/>
+              </a:ext>
+            </a:extLst>
+          </a:blip>
+          <a:stretch>
+            <a:fillRect/>
+          </a:stretch>
+        </p:blipFill>
+        <p:spPr>
+          <a:xfrm>
+            <a:off x="589502" y="359324"/>
+            <a:ext cx="3274349" cy="2914079"/>
+          </a:xfrm>
+          <a:prstGeom prst="rect">
+            <a:avLst/>
+          </a:prstGeom>
+        </p:spPr>
+      </p:pic>
+      <p:pic>
+        <p:nvPicPr>
+          <p:cNvPr id="24" name="图片 23"/>
+          <p:cNvPicPr>
+            <a:picLocks noChangeAspect="1"/>
+          </p:cNvPicPr>
+          <p:nvPr/>
+        </p:nvPicPr>
+        <p:blipFill>
+          <a:blip r:embed="rId8">
+            <a:extLst>
+              <a:ext uri="{28A0092B-C50C-407E-A947-70E740481C1C}">
+                <a14:useLocalDpi xmlns:a14="http://schemas.microsoft.com/office/drawing/2010/main" val="0"/>
+              </a:ext>
+            </a:extLst>
+          </a:blip>
+          <a:stretch>
+            <a:fillRect/>
+          </a:stretch>
+        </p:blipFill>
+        <p:spPr>
+          <a:xfrm>
+            <a:off x="4813924" y="374271"/>
+            <a:ext cx="2627625" cy="2884184"/>
           </a:xfrm>
           <a:prstGeom prst="rect">
             <a:avLst/>
@@ -14255,25 +14193,16 @@
     </p:spTree>
     <p:extLst>
       <p:ext uri="{BB962C8B-B14F-4D97-AF65-F5344CB8AC3E}">
-        <p14:creationId xmlns:p14="http://schemas.microsoft.com/office/powerpoint/2010/main" val="392800687"/>
+        <p14:creationId xmlns:p14="http://schemas.microsoft.com/office/powerpoint/2010/main" val="458412188"/>
       </p:ext>
     </p:extLst>
   </p:cSld>
   <p:clrMapOvr>
     <a:masterClrMapping/>
   </p:clrMapOvr>
-  <mc:AlternateContent xmlns:mc="http://schemas.openxmlformats.org/markup-compatibility/2006" xmlns:p14="http://schemas.microsoft.com/office/powerpoint/2010/main">
-    <mc:Choice Requires="p14">
-      <p:transition spd="slow" p14:dur="2250">
-        <p:random/>
-      </p:transition>
-    </mc:Choice>
-    <mc:Fallback xmlns="">
-      <p:transition spd="slow">
-        <p:random/>
-      </p:transition>
-    </mc:Fallback>
-  </mc:AlternateContent>
+  <p:transition spd="med">
+    <p:pull dir="u"/>
+  </p:transition>
   <p:timing>
     <p:tnLst>
       <p:par>
@@ -14399,8 +14328,8 @@
         </p:nvSpPr>
         <p:spPr>
           <a:xfrm>
-            <a:off x="3129023" y="1783378"/>
-            <a:ext cx="6096000" cy="3046988"/>
+            <a:off x="3082724" y="1956999"/>
+            <a:ext cx="6096000" cy="2677656"/>
           </a:xfrm>
           <a:prstGeom prst="rect">
             <a:avLst/>
@@ -14504,7 +14433,7 @@
                 </a:solidFill>
                 <a:latin typeface="arial" charset="0"/>
               </a:rPr>
-              <a:t>　　可以预见的是，就算我尽一生努力，能够做出来的机率也近乎于零。</a:t>
+              <a:t>　　可以预见的是，就算我穷尽一生，做到落地的可能也近乎零。</a:t>
             </a:r>
             <a:endParaRPr lang="en-US" altLang="zh-CN" sz="1600" dirty="0">
               <a:solidFill>
@@ -14569,18 +14498,9 @@
   <p:clrMapOvr>
     <a:masterClrMapping/>
   </p:clrMapOvr>
-  <mc:AlternateContent xmlns:mc="http://schemas.openxmlformats.org/markup-compatibility/2006" xmlns:p14="http://schemas.microsoft.com/office/powerpoint/2010/main">
-    <mc:Choice Requires="p14">
-      <p:transition spd="slow" p14:dur="2250">
-        <p:random/>
-      </p:transition>
-    </mc:Choice>
-    <mc:Fallback xmlns="">
-      <p:transition spd="slow">
-        <p:random/>
-      </p:transition>
-    </mc:Fallback>
-  </mc:AlternateContent>
+  <p:transition spd="med">
+    <p:pull dir="u"/>
+  </p:transition>
   <p:timing>
     <p:tnLst>
       <p:par>
@@ -15011,147 +14931,13 @@
   <p:clrMapOvr>
     <a:masterClrMapping/>
   </p:clrMapOvr>
-  <mc:AlternateContent xmlns:mc="http://schemas.openxmlformats.org/markup-compatibility/2006" xmlns:p14="http://schemas.microsoft.com/office/powerpoint/2010/main">
-    <mc:Choice Requires="p14">
-      <p:transition spd="slow" p14:dur="2250">
-        <p:random/>
-      </p:transition>
-    </mc:Choice>
-    <mc:Fallback xmlns="">
-      <p:transition spd="slow">
-        <p:random/>
-      </p:transition>
-    </mc:Fallback>
-  </mc:AlternateContent>
+  <p:transition spd="med">
+    <p:pull dir="u"/>
+  </p:transition>
   <p:timing>
     <p:tnLst>
       <p:par>
-        <p:cTn id="1" dur="indefinite" restart="never" nodeType="tmRoot">
-          <p:childTnLst>
-            <p:seq concurrent="1" nextAc="seek">
-              <p:cTn id="2" dur="indefinite" nodeType="mainSeq">
-                <p:childTnLst>
-                  <p:par>
-                    <p:cTn id="3" fill="hold">
-                      <p:stCondLst>
-                        <p:cond delay="indefinite"/>
-                        <p:cond evt="onBegin" delay="0">
-                          <p:tn val="2"/>
-                        </p:cond>
-                      </p:stCondLst>
-                      <p:childTnLst>
-                        <p:par>
-                          <p:cTn id="4" fill="hold">
-                            <p:stCondLst>
-                              <p:cond delay="0"/>
-                            </p:stCondLst>
-                            <p:childTnLst>
-                              <p:par>
-                                <p:cTn id="5" presetID="53" presetClass="entr" presetSubtype="16" fill="hold" nodeType="withEffect">
-                                  <p:stCondLst>
-                                    <p:cond delay="0"/>
-                                  </p:stCondLst>
-                                  <p:childTnLst>
-                                    <p:set>
-                                      <p:cBhvr>
-                                        <p:cTn id="6" dur="1" fill="hold">
-                                          <p:stCondLst>
-                                            <p:cond delay="0"/>
-                                          </p:stCondLst>
-                                        </p:cTn>
-                                        <p:tgtEl>
-                                          <p:spTgt spid="2"/>
-                                        </p:tgtEl>
-                                        <p:attrNameLst>
-                                          <p:attrName>style.visibility</p:attrName>
-                                        </p:attrNameLst>
-                                      </p:cBhvr>
-                                      <p:to>
-                                        <p:strVal val="visible"/>
-                                      </p:to>
-                                    </p:set>
-                                    <p:anim calcmode="lin" valueType="num">
-                                      <p:cBhvr>
-                                        <p:cTn id="7" dur="500" fill="hold"/>
-                                        <p:tgtEl>
-                                          <p:spTgt spid="2"/>
-                                        </p:tgtEl>
-                                        <p:attrNameLst>
-                                          <p:attrName>ppt_w</p:attrName>
-                                        </p:attrNameLst>
-                                      </p:cBhvr>
-                                      <p:tavLst>
-                                        <p:tav tm="0">
-                                          <p:val>
-                                            <p:fltVal val="0"/>
-                                          </p:val>
-                                        </p:tav>
-                                        <p:tav tm="100000">
-                                          <p:val>
-                                            <p:strVal val="#ppt_w"/>
-                                          </p:val>
-                                        </p:tav>
-                                      </p:tavLst>
-                                    </p:anim>
-                                    <p:anim calcmode="lin" valueType="num">
-                                      <p:cBhvr>
-                                        <p:cTn id="8" dur="500" fill="hold"/>
-                                        <p:tgtEl>
-                                          <p:spTgt spid="2"/>
-                                        </p:tgtEl>
-                                        <p:attrNameLst>
-                                          <p:attrName>ppt_h</p:attrName>
-                                        </p:attrNameLst>
-                                      </p:cBhvr>
-                                      <p:tavLst>
-                                        <p:tav tm="0">
-                                          <p:val>
-                                            <p:fltVal val="0"/>
-                                          </p:val>
-                                        </p:tav>
-                                        <p:tav tm="100000">
-                                          <p:val>
-                                            <p:strVal val="#ppt_h"/>
-                                          </p:val>
-                                        </p:tav>
-                                      </p:tavLst>
-                                    </p:anim>
-                                    <p:animEffect transition="in" filter="fade">
-                                      <p:cBhvr>
-                                        <p:cTn id="9" dur="500"/>
-                                        <p:tgtEl>
-                                          <p:spTgt spid="2"/>
-                                        </p:tgtEl>
-                                      </p:cBhvr>
-                                    </p:animEffect>
-                                  </p:childTnLst>
-                                </p:cTn>
-                              </p:par>
-                            </p:childTnLst>
-                          </p:cTn>
-                        </p:par>
-                      </p:childTnLst>
-                    </p:cTn>
-                  </p:par>
-                </p:childTnLst>
-              </p:cTn>
-              <p:prevCondLst>
-                <p:cond evt="onPrev" delay="0">
-                  <p:tgtEl>
-                    <p:sldTgt/>
-                  </p:tgtEl>
-                </p:cond>
-              </p:prevCondLst>
-              <p:nextCondLst>
-                <p:cond evt="onNext" delay="0">
-                  <p:tgtEl>
-                    <p:sldTgt/>
-                  </p:tgtEl>
-                </p:cond>
-              </p:nextCondLst>
-            </p:seq>
-          </p:childTnLst>
-        </p:cTn>
+        <p:cTn id="1" dur="indefinite" restart="never" nodeType="tmRoot"/>
       </p:par>
     </p:tnLst>
   </p:timing>
@@ -15257,11 +15043,6 @@
               </a:rPr>
               <a:t>AI</a:t>
             </a:r>
-            <a:endParaRPr kumimoji="1" lang="en-US" altLang="zh-CN" sz="2000" dirty="0" smtClean="0">
-              <a:solidFill>
-                <a:schemeClr val="bg1"/>
-              </a:solidFill>
-            </a:endParaRPr>
           </a:p>
         </p:txBody>
       </p:sp>
@@ -15435,11 +15216,7 @@
             </a:r>
             <a:r>
               <a:rPr kumimoji="1" lang="zh-CN" altLang="en-US" sz="2000" dirty="0" smtClean="0"/>
-              <a:t>、</a:t>
-            </a:r>
-            <a:r>
-              <a:rPr kumimoji="1" lang="zh-CN" altLang="en-US" sz="2000" dirty="0" smtClean="0"/>
-              <a:t>妥协落地</a:t>
+              <a:t>、妥协落地</a:t>
             </a:r>
             <a:endParaRPr kumimoji="1" lang="en-US" altLang="zh-CN" sz="2000" dirty="0" smtClean="0"/>
           </a:p>
@@ -15585,14 +15362,10 @@
   </p:clrMapOvr>
   <mc:AlternateContent xmlns:mc="http://schemas.openxmlformats.org/markup-compatibility/2006" xmlns:p14="http://schemas.microsoft.com/office/powerpoint/2010/main">
     <mc:Choice Requires="p14">
-      <p:transition spd="slow" p14:dur="2250">
-        <p:random/>
-      </p:transition>
+      <p:transition p14:dur="0"/>
     </mc:Choice>
     <mc:Fallback xmlns="">
-      <p:transition spd="slow">
-        <p:random/>
-      </p:transition>
+      <p:transition/>
     </mc:Fallback>
   </mc:AlternateContent>
   <p:timing>
@@ -15861,18 +15634,9 @@
   <p:clrMapOvr>
     <a:masterClrMapping/>
   </p:clrMapOvr>
-  <mc:AlternateContent xmlns:mc="http://schemas.openxmlformats.org/markup-compatibility/2006" xmlns:p14="http://schemas.microsoft.com/office/powerpoint/2010/main">
-    <mc:Choice Requires="p14">
-      <p:transition spd="slow" p14:dur="2250">
-        <p:random/>
-      </p:transition>
-    </mc:Choice>
-    <mc:Fallback xmlns="">
-      <p:transition spd="slow">
-        <p:random/>
-      </p:transition>
-    </mc:Fallback>
-  </mc:AlternateContent>
+  <p:transition spd="med">
+    <p:pull dir="u"/>
+  </p:transition>
   <p:timing>
     <p:tnLst>
       <p:par>
@@ -15980,11 +15744,6 @@
               </a:rPr>
               <a:t>AI</a:t>
             </a:r>
-            <a:endParaRPr kumimoji="1" lang="en-US" altLang="zh-CN" sz="2000" dirty="0" smtClean="0">
-              <a:solidFill>
-                <a:schemeClr val="bg1"/>
-              </a:solidFill>
-            </a:endParaRPr>
           </a:p>
         </p:txBody>
       </p:sp>
@@ -16160,11 +15919,7 @@
             </a:r>
             <a:r>
               <a:rPr kumimoji="1" lang="zh-CN" altLang="en-US" sz="2000" dirty="0" smtClean="0"/>
-              <a:t>、</a:t>
-            </a:r>
-            <a:r>
-              <a:rPr kumimoji="1" lang="zh-CN" altLang="en-US" sz="2000" dirty="0" smtClean="0"/>
-              <a:t>妥协落地</a:t>
+              <a:t>、妥协落地</a:t>
             </a:r>
             <a:endParaRPr kumimoji="1" lang="en-US" altLang="zh-CN" sz="2000" dirty="0" smtClean="0"/>
           </a:p>
@@ -16308,18 +16063,9 @@
   <p:clrMapOvr>
     <a:masterClrMapping/>
   </p:clrMapOvr>
-  <mc:AlternateContent xmlns:mc="http://schemas.openxmlformats.org/markup-compatibility/2006" xmlns:p14="http://schemas.microsoft.com/office/powerpoint/2010/main">
-    <mc:Choice Requires="p14">
-      <p:transition spd="slow" p14:dur="2250">
-        <p:random/>
-      </p:transition>
-    </mc:Choice>
-    <mc:Fallback xmlns="">
-      <p:transition spd="slow">
-        <p:random/>
-      </p:transition>
-    </mc:Fallback>
-  </mc:AlternateContent>
+  <p:transition spd="med">
+    <p:pull dir="u"/>
+  </p:transition>
   <p:timing>
     <p:tnLst>
       <p:par>
@@ -18249,7 +17995,7 @@
             <a:lstStyle/>
             <a:p>
               <a:r>
-                <a:rPr lang="en-US" altLang="zh-CN" sz="1400" spc="300" dirty="0" err="1" smtClean="0">
+                <a:rPr lang="en-US" altLang="zh-CN" sz="1400" spc="300" dirty="0" smtClean="0">
                   <a:solidFill>
                     <a:schemeClr val="bg1"/>
                   </a:solidFill>
@@ -18542,7 +18288,7 @@
             <a:lstStyle/>
             <a:p>
               <a:r>
-                <a:rPr lang="en-US" altLang="zh-CN" sz="1400" spc="300" dirty="0" err="1" smtClean="0">
+                <a:rPr lang="en-US" altLang="zh-CN" sz="1400" spc="300" dirty="0" smtClean="0">
                   <a:solidFill>
                     <a:schemeClr val="bg1"/>
                   </a:solidFill>
@@ -18688,7 +18434,7 @@
             <a:lstStyle/>
             <a:p>
               <a:r>
-                <a:rPr lang="en-US" altLang="zh-CN" sz="1400" spc="300" dirty="0" err="1" smtClean="0">
+                <a:rPr lang="en-US" altLang="zh-CN" sz="1400" spc="300" dirty="0" smtClean="0">
                   <a:solidFill>
                     <a:schemeClr val="bg1"/>
                   </a:solidFill>
@@ -18714,18 +18460,9 @@
   <p:clrMapOvr>
     <a:masterClrMapping/>
   </p:clrMapOvr>
-  <mc:AlternateContent xmlns:mc="http://schemas.openxmlformats.org/markup-compatibility/2006" xmlns:p14="http://schemas.microsoft.com/office/powerpoint/2010/main">
-    <mc:Choice Requires="p14">
-      <p:transition spd="slow" p14:dur="2250">
-        <p:random/>
-      </p:transition>
-    </mc:Choice>
-    <mc:Fallback xmlns="">
-      <p:transition spd="slow">
-        <p:random/>
-      </p:transition>
-    </mc:Fallback>
-  </mc:AlternateContent>
+  <p:transition spd="med">
+    <p:pull dir="u"/>
+  </p:transition>
   <p:timing>
     <p:tnLst>
       <p:par>
@@ -18833,11 +18570,6 @@
               </a:rPr>
               <a:t>AI</a:t>
             </a:r>
-            <a:endParaRPr kumimoji="1" lang="en-US" altLang="zh-CN" sz="2000" dirty="0" smtClean="0">
-              <a:solidFill>
-                <a:schemeClr val="bg1"/>
-              </a:solidFill>
-            </a:endParaRPr>
           </a:p>
         </p:txBody>
       </p:sp>
@@ -19013,11 +18745,7 @@
             </a:r>
             <a:r>
               <a:rPr kumimoji="1" lang="zh-CN" altLang="en-US" sz="2000" dirty="0" smtClean="0"/>
-              <a:t>、</a:t>
-            </a:r>
-            <a:r>
-              <a:rPr kumimoji="1" lang="zh-CN" altLang="en-US" sz="2000" dirty="0" smtClean="0"/>
-              <a:t>妥协落地</a:t>
+              <a:t>、妥协落地</a:t>
             </a:r>
             <a:endParaRPr kumimoji="1" lang="en-US" altLang="zh-CN" sz="2000" dirty="0" smtClean="0"/>
           </a:p>
@@ -19161,18 +18889,9 @@
   <p:clrMapOvr>
     <a:masterClrMapping/>
   </p:clrMapOvr>
-  <mc:AlternateContent xmlns:mc="http://schemas.openxmlformats.org/markup-compatibility/2006" xmlns:p14="http://schemas.microsoft.com/office/powerpoint/2010/main">
-    <mc:Choice Requires="p14">
-      <p:transition spd="slow" p14:dur="2250">
-        <p:random/>
-      </p:transition>
-    </mc:Choice>
-    <mc:Fallback xmlns="">
-      <p:transition spd="slow">
-        <p:random/>
-      </p:transition>
-    </mc:Fallback>
-  </mc:AlternateContent>
+  <p:transition spd="med">
+    <p:pull dir="u"/>
+  </p:transition>
   <p:timing>
     <p:tnLst>
       <p:par>
@@ -19400,18 +19119,9 @@
   <p:clrMapOvr>
     <a:masterClrMapping/>
   </p:clrMapOvr>
-  <mc:AlternateContent xmlns:mc="http://schemas.openxmlformats.org/markup-compatibility/2006" xmlns:p14="http://schemas.microsoft.com/office/powerpoint/2010/main">
-    <mc:Choice Requires="p14">
-      <p:transition spd="slow" p14:dur="2250">
-        <p:random/>
-      </p:transition>
-    </mc:Choice>
-    <mc:Fallback xmlns="">
-      <p:transition spd="slow">
-        <p:random/>
-      </p:transition>
-    </mc:Fallback>
-  </mc:AlternateContent>
+  <p:transition spd="med">
+    <p:pull dir="u"/>
+  </p:transition>
   <p:timing>
     <p:tnLst>
       <p:par>
@@ -19519,11 +19229,6 @@
               </a:rPr>
               <a:t>AI</a:t>
             </a:r>
-            <a:endParaRPr kumimoji="1" lang="en-US" altLang="zh-CN" sz="2000" dirty="0" smtClean="0">
-              <a:solidFill>
-                <a:schemeClr val="bg1"/>
-              </a:solidFill>
-            </a:endParaRPr>
           </a:p>
         </p:txBody>
       </p:sp>
@@ -19699,11 +19404,7 @@
             </a:r>
             <a:r>
               <a:rPr kumimoji="1" lang="zh-CN" altLang="en-US" sz="2000" dirty="0" smtClean="0"/>
-              <a:t>、</a:t>
-            </a:r>
-            <a:r>
-              <a:rPr kumimoji="1" lang="zh-CN" altLang="en-US" sz="2000" dirty="0" smtClean="0"/>
-              <a:t>妥协落地</a:t>
+              <a:t>、妥协落地</a:t>
             </a:r>
             <a:endParaRPr kumimoji="1" lang="en-US" altLang="zh-CN" sz="2000" dirty="0" smtClean="0"/>
           </a:p>
@@ -19847,18 +19548,9 @@
   <p:clrMapOvr>
     <a:masterClrMapping/>
   </p:clrMapOvr>
-  <mc:AlternateContent xmlns:mc="http://schemas.openxmlformats.org/markup-compatibility/2006" xmlns:p14="http://schemas.microsoft.com/office/powerpoint/2010/main">
-    <mc:Choice Requires="p14">
-      <p:transition spd="slow" p14:dur="2250">
-        <p:random/>
-      </p:transition>
-    </mc:Choice>
-    <mc:Fallback xmlns="">
-      <p:transition spd="slow">
-        <p:random/>
-      </p:transition>
-    </mc:Fallback>
-  </mc:AlternateContent>
+  <p:transition spd="med">
+    <p:pull dir="u"/>
+  </p:transition>
   <p:timing>
     <p:tnLst>
       <p:par>
@@ -20371,4 +20063,265 @@
     </a:ext>
   </a:extLst>
 </a:theme>
+</file>
+
+<file path=ppt/theme/theme3.xml><?xml version="1.0" encoding="utf-8"?>
+<a:theme xmlns:a="http://schemas.openxmlformats.org/drawingml/2006/main" name="Office 主题">
+  <a:themeElements>
+    <a:clrScheme name="Office">
+      <a:dk1>
+        <a:sysClr val="windowText" lastClr="000000"/>
+      </a:dk1>
+      <a:lt1>
+        <a:sysClr val="window" lastClr="FFFFFF"/>
+      </a:lt1>
+      <a:dk2>
+        <a:srgbClr val="44546A"/>
+      </a:dk2>
+      <a:lt2>
+        <a:srgbClr val="E7E6E6"/>
+      </a:lt2>
+      <a:accent1>
+        <a:srgbClr val="5B9BD5"/>
+      </a:accent1>
+      <a:accent2>
+        <a:srgbClr val="ED7D31"/>
+      </a:accent2>
+      <a:accent3>
+        <a:srgbClr val="A5A5A5"/>
+      </a:accent3>
+      <a:accent4>
+        <a:srgbClr val="FFC000"/>
+      </a:accent4>
+      <a:accent5>
+        <a:srgbClr val="4472C4"/>
+      </a:accent5>
+      <a:accent6>
+        <a:srgbClr val="70AD47"/>
+      </a:accent6>
+      <a:hlink>
+        <a:srgbClr val="0563C1"/>
+      </a:hlink>
+      <a:folHlink>
+        <a:srgbClr val="954F72"/>
+      </a:folHlink>
+    </a:clrScheme>
+    <a:fontScheme name="Office">
+      <a:majorFont>
+        <a:latin typeface="DengXian Light" panose="020F0302020204030204"/>
+        <a:ea typeface=""/>
+        <a:cs typeface=""/>
+        <a:font script="Jpan" typeface="Yu Gothic Light"/>
+        <a:font script="Hang" typeface="맑은 고딕"/>
+        <a:font script="Hans" typeface="DengXian Light"/>
+        <a:font script="Hant" typeface="新細明體"/>
+        <a:font script="Arab" typeface="Times New Roman"/>
+        <a:font script="Hebr" typeface="Times New Roman"/>
+        <a:font script="Thai" typeface="Angsana New"/>
+        <a:font script="Ethi" typeface="Nyala"/>
+        <a:font script="Beng" typeface="Vrinda"/>
+        <a:font script="Gujr" typeface="Shruti"/>
+        <a:font script="Khmr" typeface="MoolBoran"/>
+        <a:font script="Knda" typeface="Tunga"/>
+        <a:font script="Guru" typeface="Raavi"/>
+        <a:font script="Cans" typeface="Euphemia"/>
+        <a:font script="Cher" typeface="Plantagenet Cherokee"/>
+        <a:font script="Yiii" typeface="Microsoft Yi Baiti"/>
+        <a:font script="Tibt" typeface="Microsoft Himalaya"/>
+        <a:font script="Thaa" typeface="MV Boli"/>
+        <a:font script="Deva" typeface="Mangal"/>
+        <a:font script="Telu" typeface="Gautami"/>
+        <a:font script="Taml" typeface="Latha"/>
+        <a:font script="Syrc" typeface="Estrangelo Edessa"/>
+        <a:font script="Orya" typeface="Kalinga"/>
+        <a:font script="Mlym" typeface="Kartika"/>
+        <a:font script="Laoo" typeface="DokChampa"/>
+        <a:font script="Sinh" typeface="Iskoola Pota"/>
+        <a:font script="Mong" typeface="Mongolian Baiti"/>
+        <a:font script="Viet" typeface="Times New Roman"/>
+        <a:font script="Uigh" typeface="Microsoft Uighur"/>
+        <a:font script="Geor" typeface="Sylfaen"/>
+      </a:majorFont>
+      <a:minorFont>
+        <a:latin typeface="DengXian" panose="020F0502020204030204"/>
+        <a:ea typeface=""/>
+        <a:cs typeface=""/>
+        <a:font script="Jpan" typeface="Yu Gothic"/>
+        <a:font script="Hang" typeface="맑은 고딕"/>
+        <a:font script="Hans" typeface="DengXian"/>
+        <a:font script="Hant" typeface="新細明體"/>
+        <a:font script="Arab" typeface="Arial"/>
+        <a:font script="Hebr" typeface="Arial"/>
+        <a:font script="Thai" typeface="Cordia New"/>
+        <a:font script="Ethi" typeface="Nyala"/>
+        <a:font script="Beng" typeface="Vrinda"/>
+        <a:font script="Gujr" typeface="Shruti"/>
+        <a:font script="Khmr" typeface="DaunPenh"/>
+        <a:font script="Knda" typeface="Tunga"/>
+        <a:font script="Guru" typeface="Raavi"/>
+        <a:font script="Cans" typeface="Euphemia"/>
+        <a:font script="Cher" typeface="Plantagenet Cherokee"/>
+        <a:font script="Yiii" typeface="Microsoft Yi Baiti"/>
+        <a:font script="Tibt" typeface="Microsoft Himalaya"/>
+        <a:font script="Thaa" typeface="MV Boli"/>
+        <a:font script="Deva" typeface="Mangal"/>
+        <a:font script="Telu" typeface="Gautami"/>
+        <a:font script="Taml" typeface="Latha"/>
+        <a:font script="Syrc" typeface="Estrangelo Edessa"/>
+        <a:font script="Orya" typeface="Kalinga"/>
+        <a:font script="Mlym" typeface="Kartika"/>
+        <a:font script="Laoo" typeface="DokChampa"/>
+        <a:font script="Sinh" typeface="Iskoola Pota"/>
+        <a:font script="Mong" typeface="Mongolian Baiti"/>
+        <a:font script="Viet" typeface="Arial"/>
+        <a:font script="Uigh" typeface="Microsoft Uighur"/>
+        <a:font script="Geor" typeface="Sylfaen"/>
+      </a:minorFont>
+    </a:fontScheme>
+    <a:fmtScheme name="Office">
+      <a:fillStyleLst>
+        <a:solidFill>
+          <a:schemeClr val="phClr"/>
+        </a:solidFill>
+        <a:gradFill rotWithShape="1">
+          <a:gsLst>
+            <a:gs pos="0">
+              <a:schemeClr val="phClr">
+                <a:lumMod val="110000"/>
+                <a:satMod val="105000"/>
+                <a:tint val="67000"/>
+              </a:schemeClr>
+            </a:gs>
+            <a:gs pos="50000">
+              <a:schemeClr val="phClr">
+                <a:lumMod val="105000"/>
+                <a:satMod val="103000"/>
+                <a:tint val="73000"/>
+              </a:schemeClr>
+            </a:gs>
+            <a:gs pos="100000">
+              <a:schemeClr val="phClr">
+                <a:lumMod val="105000"/>
+                <a:satMod val="109000"/>
+                <a:tint val="81000"/>
+              </a:schemeClr>
+            </a:gs>
+          </a:gsLst>
+          <a:lin ang="5400000" scaled="0"/>
+        </a:gradFill>
+        <a:gradFill rotWithShape="1">
+          <a:gsLst>
+            <a:gs pos="0">
+              <a:schemeClr val="phClr">
+                <a:satMod val="103000"/>
+                <a:lumMod val="102000"/>
+                <a:tint val="94000"/>
+              </a:schemeClr>
+            </a:gs>
+            <a:gs pos="50000">
+              <a:schemeClr val="phClr">
+                <a:satMod val="110000"/>
+                <a:lumMod val="100000"/>
+                <a:shade val="100000"/>
+              </a:schemeClr>
+            </a:gs>
+            <a:gs pos="100000">
+              <a:schemeClr val="phClr">
+                <a:lumMod val="99000"/>
+                <a:satMod val="120000"/>
+                <a:shade val="78000"/>
+              </a:schemeClr>
+            </a:gs>
+          </a:gsLst>
+          <a:lin ang="5400000" scaled="0"/>
+        </a:gradFill>
+      </a:fillStyleLst>
+      <a:lnStyleLst>
+        <a:ln w="6350" cap="flat" cmpd="sng" algn="ctr">
+          <a:solidFill>
+            <a:schemeClr val="phClr"/>
+          </a:solidFill>
+          <a:prstDash val="solid"/>
+          <a:miter lim="800000"/>
+        </a:ln>
+        <a:ln w="12700" cap="flat" cmpd="sng" algn="ctr">
+          <a:solidFill>
+            <a:schemeClr val="phClr"/>
+          </a:solidFill>
+          <a:prstDash val="solid"/>
+          <a:miter lim="800000"/>
+        </a:ln>
+        <a:ln w="19050" cap="flat" cmpd="sng" algn="ctr">
+          <a:solidFill>
+            <a:schemeClr val="phClr"/>
+          </a:solidFill>
+          <a:prstDash val="solid"/>
+          <a:miter lim="800000"/>
+        </a:ln>
+      </a:lnStyleLst>
+      <a:effectStyleLst>
+        <a:effectStyle>
+          <a:effectLst/>
+        </a:effectStyle>
+        <a:effectStyle>
+          <a:effectLst/>
+        </a:effectStyle>
+        <a:effectStyle>
+          <a:effectLst>
+            <a:outerShdw blurRad="57150" dist="19050" dir="5400000" algn="ctr" rotWithShape="0">
+              <a:srgbClr val="000000">
+                <a:alpha val="63000"/>
+              </a:srgbClr>
+            </a:outerShdw>
+          </a:effectLst>
+        </a:effectStyle>
+      </a:effectStyleLst>
+      <a:bgFillStyleLst>
+        <a:solidFill>
+          <a:schemeClr val="phClr"/>
+        </a:solidFill>
+        <a:solidFill>
+          <a:schemeClr val="phClr">
+            <a:tint val="95000"/>
+            <a:satMod val="170000"/>
+          </a:schemeClr>
+        </a:solidFill>
+        <a:gradFill rotWithShape="1">
+          <a:gsLst>
+            <a:gs pos="0">
+              <a:schemeClr val="phClr">
+                <a:tint val="93000"/>
+                <a:satMod val="150000"/>
+                <a:shade val="98000"/>
+                <a:lumMod val="102000"/>
+              </a:schemeClr>
+            </a:gs>
+            <a:gs pos="50000">
+              <a:schemeClr val="phClr">
+                <a:tint val="98000"/>
+                <a:satMod val="130000"/>
+                <a:shade val="90000"/>
+                <a:lumMod val="103000"/>
+              </a:schemeClr>
+            </a:gs>
+            <a:gs pos="100000">
+              <a:schemeClr val="phClr">
+                <a:shade val="63000"/>
+                <a:satMod val="120000"/>
+              </a:schemeClr>
+            </a:gs>
+          </a:gsLst>
+          <a:lin ang="5400000" scaled="0"/>
+        </a:gradFill>
+      </a:bgFillStyleLst>
+    </a:fmtScheme>
+  </a:themeElements>
+  <a:objectDefaults/>
+  <a:extraClrSchemeLst/>
+  <a:extLst>
+    <a:ext uri="{05A4C25C-085E-4340-85A3-A5531E510DB2}">
+      <thm15:themeFamily xmlns:thm15="http://schemas.microsoft.com/office/thememl/2012/main" name="Office Theme" id="{62F939B6-93AF-4DB8-9C6B-D6C7DFDC589F}" vid="{4A3C46E8-61CC-4603-A589-7422A47A8E4A}"/>
+    </a:ext>
+  </a:extLst>
+</a:theme>
 </file>